--- a/Final Project Tom & Maya.pptx
+++ b/Final Project Tom & Maya.pptx
@@ -7,9 +7,17 @@
   <p:sldIdLst>
     <p:sldId id="256" r:id="rId2"/>
     <p:sldId id="257" r:id="rId3"/>
-    <p:sldId id="258" r:id="rId4"/>
-    <p:sldId id="259" r:id="rId5"/>
-    <p:sldId id="260" r:id="rId6"/>
+    <p:sldId id="261" r:id="rId4"/>
+    <p:sldId id="262" r:id="rId5"/>
+    <p:sldId id="258" r:id="rId6"/>
+    <p:sldId id="259" r:id="rId7"/>
+    <p:sldId id="263" r:id="rId8"/>
+    <p:sldId id="271" r:id="rId9"/>
+    <p:sldId id="260" r:id="rId10"/>
+    <p:sldId id="265" r:id="rId11"/>
+    <p:sldId id="269" r:id="rId12"/>
+    <p:sldId id="268" r:id="rId13"/>
+    <p:sldId id="270" r:id="rId14"/>
   </p:sldIdLst>
   <p:sldSz cx="12192000" cy="6858000"/>
   <p:notesSz cx="6858000" cy="9144000"/>
@@ -108,7 +116,463 @@
       </a:defRPr>
     </a:lvl9pPr>
   </p:defaultTextStyle>
+  <p:extLst>
+    <p:ext uri="{EFAFB233-063F-42B5-8137-9DF3F51BA10A}">
+      <p15:sldGuideLst xmlns:p15="http://schemas.microsoft.com/office/powerpoint/2012/main"/>
+    </p:ext>
+  </p:extLst>
 </p:presentation>
+</file>
+
+<file path=ppt/changesInfos/changesInfo1.xml><?xml version="1.0" encoding="utf-8"?>
+<pc:chgInfo xmlns:a="http://schemas.openxmlformats.org/drawingml/2006/main" xmlns:r="http://schemas.openxmlformats.org/officeDocument/2006/relationships" xmlns:ac="http://schemas.microsoft.com/office/drawing/2013/main/command" xmlns:pc="http://schemas.microsoft.com/office/powerpoint/2013/main/command">
+  <pc:docChgLst>
+    <pc:chgData name="maya cohen" userId="a0b0d45b02733acb" providerId="LiveId" clId="{BA2836A8-0302-4377-A85D-8A394866709D}"/>
+    <pc:docChg chg="undo redo custSel addSld modSld">
+      <pc:chgData name="maya cohen" userId="a0b0d45b02733acb" providerId="LiveId" clId="{BA2836A8-0302-4377-A85D-8A394866709D}" dt="2024-05-01T10:16:32.208" v="1511" actId="20577"/>
+      <pc:docMkLst>
+        <pc:docMk/>
+      </pc:docMkLst>
+      <pc:sldChg chg="addSp delSp modSp mod">
+        <pc:chgData name="maya cohen" userId="a0b0d45b02733acb" providerId="LiveId" clId="{BA2836A8-0302-4377-A85D-8A394866709D}" dt="2024-05-01T10:03:05.707" v="1302" actId="20577"/>
+        <pc:sldMkLst>
+          <pc:docMk/>
+          <pc:sldMk cId="360765001" sldId="257"/>
+        </pc:sldMkLst>
+        <pc:spChg chg="add del mod">
+          <ac:chgData name="maya cohen" userId="a0b0d45b02733acb" providerId="LiveId" clId="{BA2836A8-0302-4377-A85D-8A394866709D}" dt="2024-05-01T08:36:57.044" v="130" actId="478"/>
+          <ac:spMkLst>
+            <pc:docMk/>
+            <pc:sldMk cId="360765001" sldId="257"/>
+            <ac:spMk id="2" creationId="{A5A2156B-26E1-421E-FE14-F3CA8CC58836}"/>
+          </ac:spMkLst>
+        </pc:spChg>
+        <pc:spChg chg="mod">
+          <ac:chgData name="maya cohen" userId="a0b0d45b02733acb" providerId="LiveId" clId="{BA2836A8-0302-4377-A85D-8A394866709D}" dt="2024-05-01T08:43:40.159" v="321" actId="1076"/>
+          <ac:spMkLst>
+            <pc:docMk/>
+            <pc:sldMk cId="360765001" sldId="257"/>
+            <ac:spMk id="4" creationId="{5CF02BA9-213F-CAD0-99F8-A320E57A6CC2}"/>
+          </ac:spMkLst>
+        </pc:spChg>
+        <pc:spChg chg="mod">
+          <ac:chgData name="maya cohen" userId="a0b0d45b02733acb" providerId="LiveId" clId="{BA2836A8-0302-4377-A85D-8A394866709D}" dt="2024-05-01T10:03:05.707" v="1302" actId="20577"/>
+          <ac:spMkLst>
+            <pc:docMk/>
+            <pc:sldMk cId="360765001" sldId="257"/>
+            <ac:spMk id="5" creationId="{1423F7BD-5C53-39A7-5601-D4C701069AB2}"/>
+          </ac:spMkLst>
+        </pc:spChg>
+      </pc:sldChg>
+      <pc:sldChg chg="addSp delSp modSp mod">
+        <pc:chgData name="maya cohen" userId="a0b0d45b02733acb" providerId="LiveId" clId="{BA2836A8-0302-4377-A85D-8A394866709D}" dt="2024-05-01T10:04:13.087" v="1327" actId="20577"/>
+        <pc:sldMkLst>
+          <pc:docMk/>
+          <pc:sldMk cId="1825885386" sldId="258"/>
+        </pc:sldMkLst>
+        <pc:spChg chg="mod">
+          <ac:chgData name="maya cohen" userId="a0b0d45b02733acb" providerId="LiveId" clId="{BA2836A8-0302-4377-A85D-8A394866709D}" dt="2024-05-01T09:04:41.230" v="706" actId="1076"/>
+          <ac:spMkLst>
+            <pc:docMk/>
+            <pc:sldMk cId="1825885386" sldId="258"/>
+            <ac:spMk id="2" creationId="{4E3CC64B-4823-906F-D84C-CAD667ACB703}"/>
+          </ac:spMkLst>
+        </pc:spChg>
+        <pc:spChg chg="del mod">
+          <ac:chgData name="maya cohen" userId="a0b0d45b02733acb" providerId="LiveId" clId="{BA2836A8-0302-4377-A85D-8A394866709D}" dt="2024-05-01T08:56:14.276" v="471" actId="478"/>
+          <ac:spMkLst>
+            <pc:docMk/>
+            <pc:sldMk cId="1825885386" sldId="258"/>
+            <ac:spMk id="3" creationId="{36C0BE52-4876-88D5-CC7A-0479E9DE2FCA}"/>
+          </ac:spMkLst>
+        </pc:spChg>
+        <pc:spChg chg="add mod">
+          <ac:chgData name="maya cohen" userId="a0b0d45b02733acb" providerId="LiveId" clId="{BA2836A8-0302-4377-A85D-8A394866709D}" dt="2024-05-01T08:50:37.053" v="391" actId="767"/>
+          <ac:spMkLst>
+            <pc:docMk/>
+            <pc:sldMk cId="1825885386" sldId="258"/>
+            <ac:spMk id="4" creationId="{74F59668-0043-2B2A-4CCD-B2A065113CE4}"/>
+          </ac:spMkLst>
+        </pc:spChg>
+        <pc:spChg chg="add mod">
+          <ac:chgData name="maya cohen" userId="a0b0d45b02733acb" providerId="LiveId" clId="{BA2836A8-0302-4377-A85D-8A394866709D}" dt="2024-05-01T10:04:13.087" v="1327" actId="20577"/>
+          <ac:spMkLst>
+            <pc:docMk/>
+            <pc:sldMk cId="1825885386" sldId="258"/>
+            <ac:spMk id="5" creationId="{69521835-6DC5-CDE2-1755-E4F0C4124E00}"/>
+          </ac:spMkLst>
+        </pc:spChg>
+        <pc:spChg chg="add del mod">
+          <ac:chgData name="maya cohen" userId="a0b0d45b02733acb" providerId="LiveId" clId="{BA2836A8-0302-4377-A85D-8A394866709D}" dt="2024-05-01T08:56:16.617" v="472" actId="478"/>
+          <ac:spMkLst>
+            <pc:docMk/>
+            <pc:sldMk cId="1825885386" sldId="258"/>
+            <ac:spMk id="7" creationId="{15C2FD93-43F4-E53A-B63C-38B2C09E0883}"/>
+          </ac:spMkLst>
+        </pc:spChg>
+      </pc:sldChg>
+      <pc:sldChg chg="addSp delSp modSp mod">
+        <pc:chgData name="maya cohen" userId="a0b0d45b02733acb" providerId="LiveId" clId="{BA2836A8-0302-4377-A85D-8A394866709D}" dt="2024-05-01T09:13:45.507" v="772" actId="1076"/>
+        <pc:sldMkLst>
+          <pc:docMk/>
+          <pc:sldMk cId="1745143897" sldId="259"/>
+        </pc:sldMkLst>
+        <pc:spChg chg="mod">
+          <ac:chgData name="maya cohen" userId="a0b0d45b02733acb" providerId="LiveId" clId="{BA2836A8-0302-4377-A85D-8A394866709D}" dt="2024-05-01T08:45:48.513" v="384" actId="1076"/>
+          <ac:spMkLst>
+            <pc:docMk/>
+            <pc:sldMk cId="1745143897" sldId="259"/>
+            <ac:spMk id="2" creationId="{68BC62F2-ED1B-5496-8B1A-9B7952969A89}"/>
+          </ac:spMkLst>
+        </pc:spChg>
+        <pc:spChg chg="mod">
+          <ac:chgData name="maya cohen" userId="a0b0d45b02733acb" providerId="LiveId" clId="{BA2836A8-0302-4377-A85D-8A394866709D}" dt="2024-05-01T09:09:27.759" v="720" actId="14100"/>
+          <ac:spMkLst>
+            <pc:docMk/>
+            <pc:sldMk cId="1745143897" sldId="259"/>
+            <ac:spMk id="3" creationId="{71004BEC-509D-023B-0A5F-A72BDDED5582}"/>
+          </ac:spMkLst>
+        </pc:spChg>
+        <pc:picChg chg="add del mod">
+          <ac:chgData name="maya cohen" userId="a0b0d45b02733acb" providerId="LiveId" clId="{BA2836A8-0302-4377-A85D-8A394866709D}" dt="2024-05-01T09:13:20.512" v="770" actId="478"/>
+          <ac:picMkLst>
+            <pc:docMk/>
+            <pc:sldMk cId="1745143897" sldId="259"/>
+            <ac:picMk id="5" creationId="{6958C537-A9EA-0921-658B-A316D6951E37}"/>
+          </ac:picMkLst>
+        </pc:picChg>
+        <pc:picChg chg="add mod">
+          <ac:chgData name="maya cohen" userId="a0b0d45b02733acb" providerId="LiveId" clId="{BA2836A8-0302-4377-A85D-8A394866709D}" dt="2024-05-01T09:13:45.507" v="772" actId="1076"/>
+          <ac:picMkLst>
+            <pc:docMk/>
+            <pc:sldMk cId="1745143897" sldId="259"/>
+            <ac:picMk id="7" creationId="{7C410B10-D3C6-3828-738E-123713E4D456}"/>
+          </ac:picMkLst>
+        </pc:picChg>
+      </pc:sldChg>
+      <pc:sldChg chg="modSp mod">
+        <pc:chgData name="maya cohen" userId="a0b0d45b02733acb" providerId="LiveId" clId="{BA2836A8-0302-4377-A85D-8A394866709D}" dt="2024-05-01T10:16:32.208" v="1511" actId="20577"/>
+        <pc:sldMkLst>
+          <pc:docMk/>
+          <pc:sldMk cId="2390598802" sldId="260"/>
+        </pc:sldMkLst>
+        <pc:spChg chg="mod">
+          <ac:chgData name="maya cohen" userId="a0b0d45b02733acb" providerId="LiveId" clId="{BA2836A8-0302-4377-A85D-8A394866709D}" dt="2024-05-01T09:27:37.522" v="1019" actId="1076"/>
+          <ac:spMkLst>
+            <pc:docMk/>
+            <pc:sldMk cId="2390598802" sldId="260"/>
+            <ac:spMk id="2" creationId="{69A37E62-41D2-8B00-97BE-D6B86E6ECE58}"/>
+          </ac:spMkLst>
+        </pc:spChg>
+        <pc:spChg chg="mod">
+          <ac:chgData name="maya cohen" userId="a0b0d45b02733acb" providerId="LiveId" clId="{BA2836A8-0302-4377-A85D-8A394866709D}" dt="2024-05-01T10:16:32.208" v="1511" actId="20577"/>
+          <ac:spMkLst>
+            <pc:docMk/>
+            <pc:sldMk cId="2390598802" sldId="260"/>
+            <ac:spMk id="3" creationId="{EB2B4B6D-8968-B050-AC8F-589569601675}"/>
+          </ac:spMkLst>
+        </pc:spChg>
+      </pc:sldChg>
+      <pc:sldChg chg="addSp delSp modSp new mod">
+        <pc:chgData name="maya cohen" userId="a0b0d45b02733acb" providerId="LiveId" clId="{BA2836A8-0302-4377-A85D-8A394866709D}" dt="2024-05-01T08:43:11.115" v="316" actId="1076"/>
+        <pc:sldMkLst>
+          <pc:docMk/>
+          <pc:sldMk cId="2755477307" sldId="261"/>
+        </pc:sldMkLst>
+        <pc:spChg chg="del">
+          <ac:chgData name="maya cohen" userId="a0b0d45b02733acb" providerId="LiveId" clId="{BA2836A8-0302-4377-A85D-8A394866709D}" dt="2024-05-01T08:37:36.793" v="134" actId="478"/>
+          <ac:spMkLst>
+            <pc:docMk/>
+            <pc:sldMk cId="2755477307" sldId="261"/>
+            <ac:spMk id="2" creationId="{5FAE73D3-A401-E880-D7DC-DCD733F11D90}"/>
+          </ac:spMkLst>
+        </pc:spChg>
+        <pc:spChg chg="del">
+          <ac:chgData name="maya cohen" userId="a0b0d45b02733acb" providerId="LiveId" clId="{BA2836A8-0302-4377-A85D-8A394866709D}" dt="2024-05-01T08:37:34.791" v="133" actId="478"/>
+          <ac:spMkLst>
+            <pc:docMk/>
+            <pc:sldMk cId="2755477307" sldId="261"/>
+            <ac:spMk id="3" creationId="{26BEFFB6-4A06-03C7-FAF6-46468AC3654E}"/>
+          </ac:spMkLst>
+        </pc:spChg>
+        <pc:spChg chg="add mod">
+          <ac:chgData name="maya cohen" userId="a0b0d45b02733acb" providerId="LiveId" clId="{BA2836A8-0302-4377-A85D-8A394866709D}" dt="2024-05-01T08:40:55.597" v="255" actId="14100"/>
+          <ac:spMkLst>
+            <pc:docMk/>
+            <pc:sldMk cId="2755477307" sldId="261"/>
+            <ac:spMk id="4" creationId="{38C55F56-09F6-E0CD-859F-5C74B703DE61}"/>
+          </ac:spMkLst>
+        </pc:spChg>
+        <pc:spChg chg="add mod">
+          <ac:chgData name="maya cohen" userId="a0b0d45b02733acb" providerId="LiveId" clId="{BA2836A8-0302-4377-A85D-8A394866709D}" dt="2024-05-01T08:43:11.115" v="316" actId="1076"/>
+          <ac:spMkLst>
+            <pc:docMk/>
+            <pc:sldMk cId="2755477307" sldId="261"/>
+            <ac:spMk id="7" creationId="{ACD9C5FF-C991-2794-6DFE-2DD2BFC96189}"/>
+          </ac:spMkLst>
+        </pc:spChg>
+        <pc:picChg chg="add mod">
+          <ac:chgData name="maya cohen" userId="a0b0d45b02733acb" providerId="LiveId" clId="{BA2836A8-0302-4377-A85D-8A394866709D}" dt="2024-05-01T08:40:09.698" v="234" actId="1076"/>
+          <ac:picMkLst>
+            <pc:docMk/>
+            <pc:sldMk cId="2755477307" sldId="261"/>
+            <ac:picMk id="6" creationId="{ED129C02-D839-EDDF-ABC2-C496A5AC476F}"/>
+          </ac:picMkLst>
+        </pc:picChg>
+      </pc:sldChg>
+      <pc:sldChg chg="addSp delSp modSp new mod">
+        <pc:chgData name="maya cohen" userId="a0b0d45b02733acb" providerId="LiveId" clId="{BA2836A8-0302-4377-A85D-8A394866709D}" dt="2024-05-01T08:45:12.177" v="377" actId="20577"/>
+        <pc:sldMkLst>
+          <pc:docMk/>
+          <pc:sldMk cId="1063166900" sldId="262"/>
+        </pc:sldMkLst>
+        <pc:spChg chg="del">
+          <ac:chgData name="maya cohen" userId="a0b0d45b02733acb" providerId="LiveId" clId="{BA2836A8-0302-4377-A85D-8A394866709D}" dt="2024-05-01T08:44:18.115" v="324" actId="478"/>
+          <ac:spMkLst>
+            <pc:docMk/>
+            <pc:sldMk cId="1063166900" sldId="262"/>
+            <ac:spMk id="2" creationId="{37816894-F280-2232-C70F-3A2460E47437}"/>
+          </ac:spMkLst>
+        </pc:spChg>
+        <pc:spChg chg="del">
+          <ac:chgData name="maya cohen" userId="a0b0d45b02733acb" providerId="LiveId" clId="{BA2836A8-0302-4377-A85D-8A394866709D}" dt="2024-05-01T08:44:21.082" v="325" actId="478"/>
+          <ac:spMkLst>
+            <pc:docMk/>
+            <pc:sldMk cId="1063166900" sldId="262"/>
+            <ac:spMk id="3" creationId="{2E28B867-CF6C-0089-E476-4CF65D0E32D2}"/>
+          </ac:spMkLst>
+        </pc:spChg>
+        <pc:spChg chg="add mod">
+          <ac:chgData name="maya cohen" userId="a0b0d45b02733acb" providerId="LiveId" clId="{BA2836A8-0302-4377-A85D-8A394866709D}" dt="2024-05-01T08:45:12.177" v="377" actId="20577"/>
+          <ac:spMkLst>
+            <pc:docMk/>
+            <pc:sldMk cId="1063166900" sldId="262"/>
+            <ac:spMk id="4" creationId="{77226392-D490-1E05-E61D-FFD2D808CD74}"/>
+          </ac:spMkLst>
+        </pc:spChg>
+      </pc:sldChg>
+      <pc:sldChg chg="addSp delSp modSp new mod">
+        <pc:chgData name="maya cohen" userId="a0b0d45b02733acb" providerId="LiveId" clId="{BA2836A8-0302-4377-A85D-8A394866709D}" dt="2024-05-01T09:14:37.123" v="778" actId="1076"/>
+        <pc:sldMkLst>
+          <pc:docMk/>
+          <pc:sldMk cId="2456909626" sldId="263"/>
+        </pc:sldMkLst>
+        <pc:spChg chg="del">
+          <ac:chgData name="maya cohen" userId="a0b0d45b02733acb" providerId="LiveId" clId="{BA2836A8-0302-4377-A85D-8A394866709D}" dt="2024-05-01T09:06:01.297" v="708" actId="478"/>
+          <ac:spMkLst>
+            <pc:docMk/>
+            <pc:sldMk cId="2456909626" sldId="263"/>
+            <ac:spMk id="2" creationId="{AFB66439-F3AA-FFFF-6CDD-8BE966097BAC}"/>
+          </ac:spMkLst>
+        </pc:spChg>
+        <pc:spChg chg="del">
+          <ac:chgData name="maya cohen" userId="a0b0d45b02733acb" providerId="LiveId" clId="{BA2836A8-0302-4377-A85D-8A394866709D}" dt="2024-05-01T09:06:04.460" v="709" actId="478"/>
+          <ac:spMkLst>
+            <pc:docMk/>
+            <pc:sldMk cId="2456909626" sldId="263"/>
+            <ac:spMk id="3" creationId="{0C36E837-ECA3-9C63-5A14-AC6367F34D6A}"/>
+          </ac:spMkLst>
+        </pc:spChg>
+        <pc:spChg chg="add mod">
+          <ac:chgData name="maya cohen" userId="a0b0d45b02733acb" providerId="LiveId" clId="{BA2836A8-0302-4377-A85D-8A394866709D}" dt="2024-05-01T09:13:56.373" v="773" actId="1076"/>
+          <ac:spMkLst>
+            <pc:docMk/>
+            <pc:sldMk cId="2456909626" sldId="263"/>
+            <ac:spMk id="4" creationId="{AACE6B36-031E-734A-2FFE-15A68CAB05BD}"/>
+          </ac:spMkLst>
+        </pc:spChg>
+        <pc:spChg chg="add mod">
+          <ac:chgData name="maya cohen" userId="a0b0d45b02733acb" providerId="LiveId" clId="{BA2836A8-0302-4377-A85D-8A394866709D}" dt="2024-05-01T09:11:00.452" v="763" actId="1076"/>
+          <ac:spMkLst>
+            <pc:docMk/>
+            <pc:sldMk cId="2456909626" sldId="263"/>
+            <ac:spMk id="5" creationId="{AE5DB714-2A0B-E11E-2F83-275B3C3ADFC0}"/>
+          </ac:spMkLst>
+        </pc:spChg>
+        <pc:picChg chg="add mod">
+          <ac:chgData name="maya cohen" userId="a0b0d45b02733acb" providerId="LiveId" clId="{BA2836A8-0302-4377-A85D-8A394866709D}" dt="2024-05-01T09:14:37.123" v="778" actId="1076"/>
+          <ac:picMkLst>
+            <pc:docMk/>
+            <pc:sldMk cId="2456909626" sldId="263"/>
+            <ac:picMk id="7" creationId="{677DED83-B6C0-0B5B-1567-CEA972663C93}"/>
+          </ac:picMkLst>
+        </pc:picChg>
+      </pc:sldChg>
+      <pc:sldChg chg="addSp delSp modSp new mod">
+        <pc:chgData name="maya cohen" userId="a0b0d45b02733acb" providerId="LiveId" clId="{BA2836A8-0302-4377-A85D-8A394866709D}" dt="2024-05-01T09:18:23.587" v="886" actId="1076"/>
+        <pc:sldMkLst>
+          <pc:docMk/>
+          <pc:sldMk cId="1234341480" sldId="264"/>
+        </pc:sldMkLst>
+        <pc:spChg chg="del">
+          <ac:chgData name="maya cohen" userId="a0b0d45b02733acb" providerId="LiveId" clId="{BA2836A8-0302-4377-A85D-8A394866709D}" dt="2024-05-01T09:15:25.531" v="809" actId="478"/>
+          <ac:spMkLst>
+            <pc:docMk/>
+            <pc:sldMk cId="1234341480" sldId="264"/>
+            <ac:spMk id="2" creationId="{4A3AF3AB-69CF-5571-2E26-CE21F33E6E4C}"/>
+          </ac:spMkLst>
+        </pc:spChg>
+        <pc:spChg chg="del">
+          <ac:chgData name="maya cohen" userId="a0b0d45b02733acb" providerId="LiveId" clId="{BA2836A8-0302-4377-A85D-8A394866709D}" dt="2024-05-01T09:15:27.894" v="810" actId="478"/>
+          <ac:spMkLst>
+            <pc:docMk/>
+            <pc:sldMk cId="1234341480" sldId="264"/>
+            <ac:spMk id="3" creationId="{FBD83C9E-B308-BC41-5785-BCC9917687CC}"/>
+          </ac:spMkLst>
+        </pc:spChg>
+        <pc:spChg chg="add mod">
+          <ac:chgData name="maya cohen" userId="a0b0d45b02733acb" providerId="LiveId" clId="{BA2836A8-0302-4377-A85D-8A394866709D}" dt="2024-05-01T09:16:33.555" v="875" actId="1076"/>
+          <ac:spMkLst>
+            <pc:docMk/>
+            <pc:sldMk cId="1234341480" sldId="264"/>
+            <ac:spMk id="4" creationId="{080F31D4-F8F8-A05F-A113-3C5B45CD0187}"/>
+          </ac:spMkLst>
+        </pc:spChg>
+        <pc:picChg chg="add mod">
+          <ac:chgData name="maya cohen" userId="a0b0d45b02733acb" providerId="LiveId" clId="{BA2836A8-0302-4377-A85D-8A394866709D}" dt="2024-05-01T09:17:15.801" v="877" actId="1076"/>
+          <ac:picMkLst>
+            <pc:docMk/>
+            <pc:sldMk cId="1234341480" sldId="264"/>
+            <ac:picMk id="6" creationId="{7D4B50E1-81D3-ECE6-5F3B-BFED16CC5E34}"/>
+          </ac:picMkLst>
+        </pc:picChg>
+        <pc:picChg chg="add mod modCrop">
+          <ac:chgData name="maya cohen" userId="a0b0d45b02733acb" providerId="LiveId" clId="{BA2836A8-0302-4377-A85D-8A394866709D}" dt="2024-05-01T09:18:23.587" v="886" actId="1076"/>
+          <ac:picMkLst>
+            <pc:docMk/>
+            <pc:sldMk cId="1234341480" sldId="264"/>
+            <ac:picMk id="8" creationId="{89B75860-64F8-122B-BF90-94BF704193DC}"/>
+          </ac:picMkLst>
+        </pc:picChg>
+      </pc:sldChg>
+      <pc:sldChg chg="addSp delSp modSp new mod">
+        <pc:chgData name="maya cohen" userId="a0b0d45b02733acb" providerId="LiveId" clId="{BA2836A8-0302-4377-A85D-8A394866709D}" dt="2024-05-01T09:21:54.077" v="939" actId="14100"/>
+        <pc:sldMkLst>
+          <pc:docMk/>
+          <pc:sldMk cId="1226466024" sldId="265"/>
+        </pc:sldMkLst>
+        <pc:spChg chg="del">
+          <ac:chgData name="maya cohen" userId="a0b0d45b02733acb" providerId="LiveId" clId="{BA2836A8-0302-4377-A85D-8A394866709D}" dt="2024-05-01T09:19:45.773" v="888" actId="478"/>
+          <ac:spMkLst>
+            <pc:docMk/>
+            <pc:sldMk cId="1226466024" sldId="265"/>
+            <ac:spMk id="2" creationId="{210F2F8D-A09B-6AE4-7979-A9291ECDAFFB}"/>
+          </ac:spMkLst>
+        </pc:spChg>
+        <pc:spChg chg="del">
+          <ac:chgData name="maya cohen" userId="a0b0d45b02733acb" providerId="LiveId" clId="{BA2836A8-0302-4377-A85D-8A394866709D}" dt="2024-05-01T09:19:48.948" v="889" actId="478"/>
+          <ac:spMkLst>
+            <pc:docMk/>
+            <pc:sldMk cId="1226466024" sldId="265"/>
+            <ac:spMk id="3" creationId="{2CD72141-984D-F5CF-FBBD-CBAEB271FC43}"/>
+          </ac:spMkLst>
+        </pc:spChg>
+        <pc:spChg chg="add mod">
+          <ac:chgData name="maya cohen" userId="a0b0d45b02733acb" providerId="LiveId" clId="{BA2836A8-0302-4377-A85D-8A394866709D}" dt="2024-05-01T09:21:54.077" v="939" actId="14100"/>
+          <ac:spMkLst>
+            <pc:docMk/>
+            <pc:sldMk cId="1226466024" sldId="265"/>
+            <ac:spMk id="6" creationId="{C646BE77-F612-0869-B129-4211B85782C4}"/>
+          </ac:spMkLst>
+        </pc:spChg>
+        <pc:picChg chg="add mod">
+          <ac:chgData name="maya cohen" userId="a0b0d45b02733acb" providerId="LiveId" clId="{BA2836A8-0302-4377-A85D-8A394866709D}" dt="2024-05-01T09:19:59.436" v="891" actId="1076"/>
+          <ac:picMkLst>
+            <pc:docMk/>
+            <pc:sldMk cId="1226466024" sldId="265"/>
+            <ac:picMk id="5" creationId="{E668415A-61A3-73E8-A66D-FD20403A7B8E}"/>
+          </ac:picMkLst>
+        </pc:picChg>
+      </pc:sldChg>
+      <pc:sldChg chg="addSp delSp modSp new mod">
+        <pc:chgData name="maya cohen" userId="a0b0d45b02733acb" providerId="LiveId" clId="{BA2836A8-0302-4377-A85D-8A394866709D}" dt="2024-05-01T09:25:25.282" v="975" actId="1076"/>
+        <pc:sldMkLst>
+          <pc:docMk/>
+          <pc:sldMk cId="92994381" sldId="266"/>
+        </pc:sldMkLst>
+        <pc:spChg chg="del">
+          <ac:chgData name="maya cohen" userId="a0b0d45b02733acb" providerId="LiveId" clId="{BA2836A8-0302-4377-A85D-8A394866709D}" dt="2024-05-01T09:20:52.970" v="929" actId="478"/>
+          <ac:spMkLst>
+            <pc:docMk/>
+            <pc:sldMk cId="92994381" sldId="266"/>
+            <ac:spMk id="2" creationId="{5B7A915F-6714-9B84-503D-757E002D1F54}"/>
+          </ac:spMkLst>
+        </pc:spChg>
+        <pc:spChg chg="del">
+          <ac:chgData name="maya cohen" userId="a0b0d45b02733acb" providerId="LiveId" clId="{BA2836A8-0302-4377-A85D-8A394866709D}" dt="2024-05-01T09:20:55.429" v="930" actId="478"/>
+          <ac:spMkLst>
+            <pc:docMk/>
+            <pc:sldMk cId="92994381" sldId="266"/>
+            <ac:spMk id="3" creationId="{31793754-D3FC-D1B9-2C9A-984E68054082}"/>
+          </ac:spMkLst>
+        </pc:spChg>
+        <pc:spChg chg="add mod">
+          <ac:chgData name="maya cohen" userId="a0b0d45b02733acb" providerId="LiveId" clId="{BA2836A8-0302-4377-A85D-8A394866709D}" dt="2024-05-01T09:25:25.282" v="975" actId="1076"/>
+          <ac:spMkLst>
+            <pc:docMk/>
+            <pc:sldMk cId="92994381" sldId="266"/>
+            <ac:spMk id="4" creationId="{0994F567-A67B-B7CC-E1DC-A8368ECEA0F0}"/>
+          </ac:spMkLst>
+        </pc:spChg>
+        <pc:picChg chg="add mod">
+          <ac:chgData name="maya cohen" userId="a0b0d45b02733acb" providerId="LiveId" clId="{BA2836A8-0302-4377-A85D-8A394866709D}" dt="2024-05-01T09:23:56.123" v="974" actId="1076"/>
+          <ac:picMkLst>
+            <pc:docMk/>
+            <pc:sldMk cId="92994381" sldId="266"/>
+            <ac:picMk id="6" creationId="{5E1D2F89-6D25-7A4A-E01B-859FC00EF5EC}"/>
+          </ac:picMkLst>
+        </pc:picChg>
+      </pc:sldChg>
+      <pc:sldChg chg="addSp delSp modSp new mod">
+        <pc:chgData name="maya cohen" userId="a0b0d45b02733acb" providerId="LiveId" clId="{BA2836A8-0302-4377-A85D-8A394866709D}" dt="2024-05-01T09:26:53.391" v="1017" actId="1076"/>
+        <pc:sldMkLst>
+          <pc:docMk/>
+          <pc:sldMk cId="3500593069" sldId="267"/>
+        </pc:sldMkLst>
+        <pc:spChg chg="del">
+          <ac:chgData name="maya cohen" userId="a0b0d45b02733acb" providerId="LiveId" clId="{BA2836A8-0302-4377-A85D-8A394866709D}" dt="2024-05-01T09:25:33.465" v="977" actId="478"/>
+          <ac:spMkLst>
+            <pc:docMk/>
+            <pc:sldMk cId="3500593069" sldId="267"/>
+            <ac:spMk id="2" creationId="{09CDE9B2-3FB0-3351-C1D7-FB83D1A5497F}"/>
+          </ac:spMkLst>
+        </pc:spChg>
+        <pc:spChg chg="del">
+          <ac:chgData name="maya cohen" userId="a0b0d45b02733acb" providerId="LiveId" clId="{BA2836A8-0302-4377-A85D-8A394866709D}" dt="2024-05-01T09:25:35.970" v="978" actId="478"/>
+          <ac:spMkLst>
+            <pc:docMk/>
+            <pc:sldMk cId="3500593069" sldId="267"/>
+            <ac:spMk id="3" creationId="{3D478EE0-17C2-DF51-5263-9EDAFCC580B0}"/>
+          </ac:spMkLst>
+        </pc:spChg>
+        <pc:spChg chg="add mod">
+          <ac:chgData name="maya cohen" userId="a0b0d45b02733acb" providerId="LiveId" clId="{BA2836A8-0302-4377-A85D-8A394866709D}" dt="2024-05-01T09:26:21.500" v="1014" actId="1076"/>
+          <ac:spMkLst>
+            <pc:docMk/>
+            <pc:sldMk cId="3500593069" sldId="267"/>
+            <ac:spMk id="6" creationId="{1826D4D9-915F-8EDE-0F81-15067FAF80FC}"/>
+          </ac:spMkLst>
+        </pc:spChg>
+        <pc:picChg chg="add mod">
+          <ac:chgData name="maya cohen" userId="a0b0d45b02733acb" providerId="LiveId" clId="{BA2836A8-0302-4377-A85D-8A394866709D}" dt="2024-05-01T09:25:59.388" v="984" actId="1076"/>
+          <ac:picMkLst>
+            <pc:docMk/>
+            <pc:sldMk cId="3500593069" sldId="267"/>
+            <ac:picMk id="5" creationId="{469B6E6C-C701-61E8-F203-2196997D4FBB}"/>
+          </ac:picMkLst>
+        </pc:picChg>
+        <pc:picChg chg="add mod">
+          <ac:chgData name="maya cohen" userId="a0b0d45b02733acb" providerId="LiveId" clId="{BA2836A8-0302-4377-A85D-8A394866709D}" dt="2024-05-01T09:26:53.391" v="1017" actId="1076"/>
+          <ac:picMkLst>
+            <pc:docMk/>
+            <pc:sldMk cId="3500593069" sldId="267"/>
+            <ac:picMk id="8" creationId="{340C0036-8E4F-38B7-80D4-64595761D6BE}"/>
+          </ac:picMkLst>
+        </pc:picChg>
+      </pc:sldChg>
+    </pc:docChg>
+  </pc:docChgLst>
+</pc:chgInfo>
 </file>
 
 <file path=ppt/slideLayouts/slideLayout1.xml><?xml version="1.0" encoding="utf-8"?>
@@ -3776,6 +4240,598 @@
 </p:sld>
 </file>
 
+<file path=ppt/slides/slide10.xml><?xml version="1.0" encoding="utf-8"?>
+<p:sld xmlns:a="http://schemas.openxmlformats.org/drawingml/2006/main" xmlns:r="http://schemas.openxmlformats.org/officeDocument/2006/relationships" xmlns:p="http://schemas.openxmlformats.org/presentationml/2006/main">
+  <p:cSld>
+    <p:spTree>
+      <p:nvGrpSpPr>
+        <p:cNvPr id="1" name=""/>
+        <p:cNvGrpSpPr/>
+        <p:nvPr/>
+      </p:nvGrpSpPr>
+      <p:grpSpPr>
+        <a:xfrm>
+          <a:off x="0" y="0"/>
+          <a:ext cx="0" cy="0"/>
+          <a:chOff x="0" y="0"/>
+          <a:chExt cx="0" cy="0"/>
+        </a:xfrm>
+      </p:grpSpPr>
+      <p:sp>
+        <p:nvSpPr>
+          <p:cNvPr id="6" name="Title 1">
+            <a:extLst>
+              <a:ext uri="{FF2B5EF4-FFF2-40B4-BE49-F238E27FC236}">
+                <a16:creationId xmlns:a16="http://schemas.microsoft.com/office/drawing/2014/main" id="{C646BE77-F612-0869-B129-4211B85782C4}"/>
+              </a:ext>
+            </a:extLst>
+          </p:cNvPr>
+          <p:cNvSpPr>
+            <a:spLocks noGrp="1"/>
+          </p:cNvSpPr>
+          <p:nvPr>
+            <p:ph type="title"/>
+          </p:nvPr>
+        </p:nvSpPr>
+        <p:spPr>
+          <a:xfrm>
+            <a:off x="2502568" y="535632"/>
+            <a:ext cx="6854691" cy="678410"/>
+          </a:xfrm>
+        </p:spPr>
+        <p:txBody>
+          <a:bodyPr>
+            <a:normAutofit/>
+          </a:bodyPr>
+          <a:lstStyle/>
+          <a:p>
+            <a:pPr algn="ctr"/>
+            <a:r>
+              <a:rPr lang="en-US" dirty="0"/>
+              <a:t>Feature Selection</a:t>
+            </a:r>
+            <a:endParaRPr lang="en-IL" dirty="0"/>
+          </a:p>
+        </p:txBody>
+      </p:sp>
+      <p:pic>
+        <p:nvPicPr>
+          <p:cNvPr id="3" name="Picture 2" descr="A screen shot of a graph&#10;&#10;Description automatically generated">
+            <a:extLst>
+              <a:ext uri="{FF2B5EF4-FFF2-40B4-BE49-F238E27FC236}">
+                <a16:creationId xmlns:a16="http://schemas.microsoft.com/office/drawing/2014/main" id="{B14C8AD6-73F9-EA28-ECE1-765D18CA99A3}"/>
+              </a:ext>
+            </a:extLst>
+          </p:cNvPr>
+          <p:cNvPicPr>
+            <a:picLocks noChangeAspect="1"/>
+          </p:cNvPicPr>
+          <p:nvPr/>
+        </p:nvPicPr>
+        <p:blipFill>
+          <a:blip r:embed="rId2">
+            <a:extLst>
+              <a:ext uri="{28A0092B-C50C-407E-A947-70E740481C1C}">
+                <a14:useLocalDpi xmlns:a14="http://schemas.microsoft.com/office/drawing/2010/main" val="0"/>
+              </a:ext>
+            </a:extLst>
+          </a:blip>
+          <a:stretch>
+            <a:fillRect/>
+          </a:stretch>
+        </p:blipFill>
+        <p:spPr>
+          <a:xfrm>
+            <a:off x="444745" y="1764531"/>
+            <a:ext cx="5718904" cy="3909978"/>
+          </a:xfrm>
+          <a:prstGeom prst="rect">
+            <a:avLst/>
+          </a:prstGeom>
+        </p:spPr>
+      </p:pic>
+      <p:pic>
+        <p:nvPicPr>
+          <p:cNvPr id="7" name="Picture 6" descr="A grid of green and orange squares&#10;&#10;Description automatically generated">
+            <a:extLst>
+              <a:ext uri="{FF2B5EF4-FFF2-40B4-BE49-F238E27FC236}">
+                <a16:creationId xmlns:a16="http://schemas.microsoft.com/office/drawing/2014/main" id="{21C480C9-6EA6-2D34-83DC-385D8E7EAF64}"/>
+              </a:ext>
+            </a:extLst>
+          </p:cNvPr>
+          <p:cNvPicPr>
+            <a:picLocks noChangeAspect="1"/>
+          </p:cNvPicPr>
+          <p:nvPr/>
+        </p:nvPicPr>
+        <p:blipFill rotWithShape="1">
+          <a:blip r:embed="rId3">
+            <a:extLst>
+              <a:ext uri="{28A0092B-C50C-407E-A947-70E740481C1C}">
+                <a14:useLocalDpi xmlns:a14="http://schemas.microsoft.com/office/drawing/2010/main" val="0"/>
+              </a:ext>
+            </a:extLst>
+          </a:blip>
+          <a:srcRect r="9660"/>
+          <a:stretch/>
+        </p:blipFill>
+        <p:spPr>
+          <a:xfrm>
+            <a:off x="6163649" y="1764531"/>
+            <a:ext cx="5166454" cy="3909978"/>
+          </a:xfrm>
+          <a:prstGeom prst="rect">
+            <a:avLst/>
+          </a:prstGeom>
+        </p:spPr>
+      </p:pic>
+      <p:sp>
+        <p:nvSpPr>
+          <p:cNvPr id="9" name="Title 1">
+            <a:extLst>
+              <a:ext uri="{FF2B5EF4-FFF2-40B4-BE49-F238E27FC236}">
+                <a16:creationId xmlns:a16="http://schemas.microsoft.com/office/drawing/2014/main" id="{B2EF845B-E881-6BCD-B90C-7B0430F5613F}"/>
+              </a:ext>
+            </a:extLst>
+          </p:cNvPr>
+          <p:cNvSpPr txBox="1">
+            <a:spLocks/>
+          </p:cNvSpPr>
+          <p:nvPr/>
+        </p:nvSpPr>
+        <p:spPr>
+          <a:xfrm>
+            <a:off x="2762919" y="1308530"/>
+            <a:ext cx="1834482" cy="456001"/>
+          </a:xfrm>
+          <a:prstGeom prst="rect">
+            <a:avLst/>
+          </a:prstGeom>
+        </p:spPr>
+        <p:txBody>
+          <a:bodyPr vert="horz" lIns="91440" tIns="45720" rIns="91440" bIns="45720" rtlCol="0" anchor="b">
+            <a:normAutofit fontScale="97500"/>
+          </a:bodyPr>
+          <a:lstStyle>
+            <a:lvl1pPr algn="l" defTabSz="914400" rtl="0" eaLnBrk="1" latinLnBrk="0" hangingPunct="1">
+              <a:lnSpc>
+                <a:spcPct val="110000"/>
+              </a:lnSpc>
+              <a:spcBef>
+                <a:spcPct val="0"/>
+              </a:spcBef>
+              <a:buNone/>
+              <a:defRPr sz="3200" b="1" kern="1200">
+                <a:solidFill>
+                  <a:schemeClr val="tx1"/>
+                </a:solidFill>
+                <a:effectLst/>
+                <a:latin typeface="+mj-lt"/>
+                <a:ea typeface="+mj-ea"/>
+                <a:cs typeface="+mj-cs"/>
+              </a:defRPr>
+            </a:lvl1pPr>
+          </a:lstStyle>
+          <a:p>
+            <a:r>
+              <a:rPr lang="en-US" sz="2400" dirty="0"/>
+              <a:t>Investment</a:t>
+            </a:r>
+            <a:endParaRPr lang="en-IL" sz="2400" dirty="0"/>
+          </a:p>
+        </p:txBody>
+      </p:sp>
+      <p:sp>
+        <p:nvSpPr>
+          <p:cNvPr id="10" name="Title 1">
+            <a:extLst>
+              <a:ext uri="{FF2B5EF4-FFF2-40B4-BE49-F238E27FC236}">
+                <a16:creationId xmlns:a16="http://schemas.microsoft.com/office/drawing/2014/main" id="{59B6A3E1-F95A-4666-28D9-4CAE30A2C630}"/>
+              </a:ext>
+            </a:extLst>
+          </p:cNvPr>
+          <p:cNvSpPr txBox="1">
+            <a:spLocks/>
+          </p:cNvSpPr>
+          <p:nvPr/>
+        </p:nvSpPr>
+        <p:spPr>
+          <a:xfrm>
+            <a:off x="7834481" y="1308960"/>
+            <a:ext cx="3045555" cy="456001"/>
+          </a:xfrm>
+          <a:prstGeom prst="rect">
+            <a:avLst/>
+          </a:prstGeom>
+        </p:spPr>
+        <p:txBody>
+          <a:bodyPr vert="horz" lIns="91440" tIns="45720" rIns="91440" bIns="45720" rtlCol="0" anchor="b">
+            <a:normAutofit fontScale="97500"/>
+          </a:bodyPr>
+          <a:lstStyle>
+            <a:lvl1pPr algn="l" defTabSz="914400" rtl="0" eaLnBrk="1" latinLnBrk="0" hangingPunct="1">
+              <a:lnSpc>
+                <a:spcPct val="110000"/>
+              </a:lnSpc>
+              <a:spcBef>
+                <a:spcPct val="0"/>
+              </a:spcBef>
+              <a:buNone/>
+              <a:defRPr sz="3200" b="1" kern="1200">
+                <a:solidFill>
+                  <a:schemeClr val="tx1"/>
+                </a:solidFill>
+                <a:effectLst/>
+                <a:latin typeface="+mj-lt"/>
+                <a:ea typeface="+mj-ea"/>
+                <a:cs typeface="+mj-cs"/>
+              </a:defRPr>
+            </a:lvl1pPr>
+          </a:lstStyle>
+          <a:p>
+            <a:pPr algn="ctr"/>
+            <a:r>
+              <a:rPr lang="en-US" sz="2400" dirty="0"/>
+              <a:t>Owner-Occupier</a:t>
+            </a:r>
+            <a:endParaRPr lang="en-IL" sz="2400" dirty="0"/>
+          </a:p>
+        </p:txBody>
+      </p:sp>
+    </p:spTree>
+    <p:extLst>
+      <p:ext uri="{BB962C8B-B14F-4D97-AF65-F5344CB8AC3E}">
+        <p14:creationId xmlns:p14="http://schemas.microsoft.com/office/powerpoint/2010/main" val="1226466024"/>
+      </p:ext>
+    </p:extLst>
+  </p:cSld>
+  <p:clrMapOvr>
+    <a:masterClrMapping/>
+  </p:clrMapOvr>
+</p:sld>
+</file>
+
+<file path=ppt/slides/slide11.xml><?xml version="1.0" encoding="utf-8"?>
+<p:sld xmlns:a="http://schemas.openxmlformats.org/drawingml/2006/main" xmlns:r="http://schemas.openxmlformats.org/officeDocument/2006/relationships" xmlns:p="http://schemas.openxmlformats.org/presentationml/2006/main">
+  <p:cSld>
+    <p:spTree>
+      <p:nvGrpSpPr>
+        <p:cNvPr id="1" name=""/>
+        <p:cNvGrpSpPr/>
+        <p:nvPr/>
+      </p:nvGrpSpPr>
+      <p:grpSpPr>
+        <a:xfrm>
+          <a:off x="0" y="0"/>
+          <a:ext cx="0" cy="0"/>
+          <a:chOff x="0" y="0"/>
+          <a:chExt cx="0" cy="0"/>
+        </a:xfrm>
+      </p:grpSpPr>
+      <p:pic>
+        <p:nvPicPr>
+          <p:cNvPr id="5" name="Picture 4">
+            <a:extLst>
+              <a:ext uri="{FF2B5EF4-FFF2-40B4-BE49-F238E27FC236}">
+                <a16:creationId xmlns:a16="http://schemas.microsoft.com/office/drawing/2014/main" id="{E668415A-61A3-73E8-A66D-FD20403A7B8E}"/>
+              </a:ext>
+            </a:extLst>
+          </p:cNvPr>
+          <p:cNvPicPr>
+            <a:picLocks noChangeAspect="1"/>
+          </p:cNvPicPr>
+          <p:nvPr/>
+        </p:nvPicPr>
+        <p:blipFill>
+          <a:blip r:embed="rId2">
+            <a:extLst>
+              <a:ext uri="{28A0092B-C50C-407E-A947-70E740481C1C}">
+                <a14:useLocalDpi xmlns:a14="http://schemas.microsoft.com/office/drawing/2010/main" val="0"/>
+              </a:ext>
+            </a:extLst>
+          </a:blip>
+          <a:srcRect/>
+          <a:stretch/>
+        </p:blipFill>
+        <p:spPr>
+          <a:xfrm>
+            <a:off x="1439111" y="1460509"/>
+            <a:ext cx="8636444" cy="3936982"/>
+          </a:xfrm>
+          <a:prstGeom prst="rect">
+            <a:avLst/>
+          </a:prstGeom>
+        </p:spPr>
+      </p:pic>
+      <p:sp>
+        <p:nvSpPr>
+          <p:cNvPr id="6" name="Title 1">
+            <a:extLst>
+              <a:ext uri="{FF2B5EF4-FFF2-40B4-BE49-F238E27FC236}">
+                <a16:creationId xmlns:a16="http://schemas.microsoft.com/office/drawing/2014/main" id="{C646BE77-F612-0869-B129-4211B85782C4}"/>
+              </a:ext>
+            </a:extLst>
+          </p:cNvPr>
+          <p:cNvSpPr>
+            <a:spLocks noGrp="1"/>
+          </p:cNvSpPr>
+          <p:nvPr>
+            <p:ph type="title"/>
+          </p:nvPr>
+        </p:nvSpPr>
+        <p:spPr>
+          <a:xfrm>
+            <a:off x="2353995" y="586432"/>
+            <a:ext cx="7484009" cy="678410"/>
+          </a:xfrm>
+        </p:spPr>
+        <p:txBody>
+          <a:bodyPr>
+            <a:normAutofit/>
+          </a:bodyPr>
+          <a:lstStyle/>
+          <a:p>
+            <a:pPr algn="ctr"/>
+            <a:r>
+              <a:rPr lang="en-US" dirty="0"/>
+              <a:t>Feature Selection – Investment</a:t>
+            </a:r>
+            <a:endParaRPr lang="en-IL" dirty="0"/>
+          </a:p>
+        </p:txBody>
+      </p:sp>
+    </p:spTree>
+    <p:extLst>
+      <p:ext uri="{BB962C8B-B14F-4D97-AF65-F5344CB8AC3E}">
+        <p14:creationId xmlns:p14="http://schemas.microsoft.com/office/powerpoint/2010/main" val="3860555531"/>
+      </p:ext>
+    </p:extLst>
+  </p:cSld>
+  <p:clrMapOvr>
+    <a:masterClrMapping/>
+  </p:clrMapOvr>
+</p:sld>
+</file>
+
+<file path=ppt/slides/slide12.xml><?xml version="1.0" encoding="utf-8"?>
+<p:sld xmlns:a="http://schemas.openxmlformats.org/drawingml/2006/main" xmlns:r="http://schemas.openxmlformats.org/officeDocument/2006/relationships" xmlns:p="http://schemas.openxmlformats.org/presentationml/2006/main">
+  <p:cSld>
+    <p:spTree>
+      <p:nvGrpSpPr>
+        <p:cNvPr id="1" name=""/>
+        <p:cNvGrpSpPr/>
+        <p:nvPr/>
+      </p:nvGrpSpPr>
+      <p:grpSpPr>
+        <a:xfrm>
+          <a:off x="0" y="0"/>
+          <a:ext cx="0" cy="0"/>
+          <a:chOff x="0" y="0"/>
+          <a:chExt cx="0" cy="0"/>
+        </a:xfrm>
+      </p:grpSpPr>
+      <p:pic>
+        <p:nvPicPr>
+          <p:cNvPr id="5" name="Picture 4">
+            <a:extLst>
+              <a:ext uri="{FF2B5EF4-FFF2-40B4-BE49-F238E27FC236}">
+                <a16:creationId xmlns:a16="http://schemas.microsoft.com/office/drawing/2014/main" id="{E668415A-61A3-73E8-A66D-FD20403A7B8E}"/>
+              </a:ext>
+            </a:extLst>
+          </p:cNvPr>
+          <p:cNvPicPr>
+            <a:picLocks noChangeAspect="1"/>
+          </p:cNvPicPr>
+          <p:nvPr/>
+        </p:nvPicPr>
+        <p:blipFill>
+          <a:blip r:embed="rId2">
+            <a:extLst>
+              <a:ext uri="{28A0092B-C50C-407E-A947-70E740481C1C}">
+                <a14:useLocalDpi xmlns:a14="http://schemas.microsoft.com/office/drawing/2010/main" val="0"/>
+              </a:ext>
+            </a:extLst>
+          </a:blip>
+          <a:srcRect/>
+          <a:stretch/>
+        </p:blipFill>
+        <p:spPr>
+          <a:xfrm>
+            <a:off x="1439111" y="1460509"/>
+            <a:ext cx="8636444" cy="3936982"/>
+          </a:xfrm>
+          <a:prstGeom prst="rect">
+            <a:avLst/>
+          </a:prstGeom>
+        </p:spPr>
+      </p:pic>
+      <p:sp>
+        <p:nvSpPr>
+          <p:cNvPr id="6" name="Title 1">
+            <a:extLst>
+              <a:ext uri="{FF2B5EF4-FFF2-40B4-BE49-F238E27FC236}">
+                <a16:creationId xmlns:a16="http://schemas.microsoft.com/office/drawing/2014/main" id="{C646BE77-F612-0869-B129-4211B85782C4}"/>
+              </a:ext>
+            </a:extLst>
+          </p:cNvPr>
+          <p:cNvSpPr>
+            <a:spLocks noGrp="1"/>
+          </p:cNvSpPr>
+          <p:nvPr>
+            <p:ph type="title"/>
+          </p:nvPr>
+        </p:nvSpPr>
+        <p:spPr>
+          <a:xfrm>
+            <a:off x="2353995" y="586432"/>
+            <a:ext cx="7484009" cy="678410"/>
+          </a:xfrm>
+        </p:spPr>
+        <p:txBody>
+          <a:bodyPr>
+            <a:normAutofit/>
+          </a:bodyPr>
+          <a:lstStyle/>
+          <a:p>
+            <a:pPr algn="ctr"/>
+            <a:r>
+              <a:rPr lang="en-US" dirty="0"/>
+              <a:t>Feature Selection – Owner-Occupier</a:t>
+            </a:r>
+            <a:endParaRPr lang="en-IL" dirty="0"/>
+          </a:p>
+        </p:txBody>
+      </p:sp>
+    </p:spTree>
+    <p:extLst>
+      <p:ext uri="{BB962C8B-B14F-4D97-AF65-F5344CB8AC3E}">
+        <p14:creationId xmlns:p14="http://schemas.microsoft.com/office/powerpoint/2010/main" val="2892024061"/>
+      </p:ext>
+    </p:extLst>
+  </p:cSld>
+  <p:clrMapOvr>
+    <a:masterClrMapping/>
+  </p:clrMapOvr>
+</p:sld>
+</file>
+
+<file path=ppt/slides/slide13.xml><?xml version="1.0" encoding="utf-8"?>
+<p:sld xmlns:a="http://schemas.openxmlformats.org/drawingml/2006/main" xmlns:r="http://schemas.openxmlformats.org/officeDocument/2006/relationships" xmlns:p="http://schemas.openxmlformats.org/presentationml/2006/main">
+  <p:cSld>
+    <p:spTree>
+      <p:nvGrpSpPr>
+        <p:cNvPr id="1" name=""/>
+        <p:cNvGrpSpPr/>
+        <p:nvPr/>
+      </p:nvGrpSpPr>
+      <p:grpSpPr>
+        <a:xfrm>
+          <a:off x="0" y="0"/>
+          <a:ext cx="0" cy="0"/>
+          <a:chOff x="0" y="0"/>
+          <a:chExt cx="0" cy="0"/>
+        </a:xfrm>
+      </p:grpSpPr>
+      <p:sp>
+        <p:nvSpPr>
+          <p:cNvPr id="4" name="Title 1">
+            <a:extLst>
+              <a:ext uri="{FF2B5EF4-FFF2-40B4-BE49-F238E27FC236}">
+                <a16:creationId xmlns:a16="http://schemas.microsoft.com/office/drawing/2014/main" id="{080F31D4-F8F8-A05F-A113-3C5B45CD0187}"/>
+              </a:ext>
+            </a:extLst>
+          </p:cNvPr>
+          <p:cNvSpPr>
+            <a:spLocks noGrp="1"/>
+          </p:cNvSpPr>
+          <p:nvPr>
+            <p:ph type="title"/>
+          </p:nvPr>
+        </p:nvSpPr>
+        <p:spPr>
+          <a:xfrm>
+            <a:off x="2451100" y="668867"/>
+            <a:ext cx="7289800" cy="660400"/>
+          </a:xfrm>
+        </p:spPr>
+        <p:txBody>
+          <a:bodyPr>
+            <a:normAutofit/>
+          </a:bodyPr>
+          <a:lstStyle/>
+          <a:p>
+            <a:pPr algn="ctr"/>
+            <a:r>
+              <a:rPr lang="en-US" dirty="0"/>
+              <a:t>Final Model – Performance</a:t>
+            </a:r>
+            <a:endParaRPr lang="en-IL" dirty="0"/>
+          </a:p>
+        </p:txBody>
+      </p:sp>
+      <p:pic>
+        <p:nvPicPr>
+          <p:cNvPr id="6" name="Picture 5">
+            <a:extLst>
+              <a:ext uri="{FF2B5EF4-FFF2-40B4-BE49-F238E27FC236}">
+                <a16:creationId xmlns:a16="http://schemas.microsoft.com/office/drawing/2014/main" id="{7D4B50E1-81D3-ECE6-5F3B-BFED16CC5E34}"/>
+              </a:ext>
+            </a:extLst>
+          </p:cNvPr>
+          <p:cNvPicPr>
+            <a:picLocks noChangeAspect="1"/>
+          </p:cNvPicPr>
+          <p:nvPr/>
+        </p:nvPicPr>
+        <p:blipFill>
+          <a:blip r:embed="rId2">
+            <a:extLst>
+              <a:ext uri="{28A0092B-C50C-407E-A947-70E740481C1C}">
+                <a14:useLocalDpi xmlns:a14="http://schemas.microsoft.com/office/drawing/2010/main" val="0"/>
+              </a:ext>
+            </a:extLst>
+          </a:blip>
+          <a:srcRect/>
+          <a:stretch/>
+        </p:blipFill>
+        <p:spPr>
+          <a:xfrm>
+            <a:off x="5496828" y="1486537"/>
+            <a:ext cx="6058209" cy="3884925"/>
+          </a:xfrm>
+          <a:prstGeom prst="rect">
+            <a:avLst/>
+          </a:prstGeom>
+        </p:spPr>
+      </p:pic>
+      <p:pic>
+        <p:nvPicPr>
+          <p:cNvPr id="8" name="Picture 7">
+            <a:extLst>
+              <a:ext uri="{FF2B5EF4-FFF2-40B4-BE49-F238E27FC236}">
+                <a16:creationId xmlns:a16="http://schemas.microsoft.com/office/drawing/2014/main" id="{89B75860-64F8-122B-BF90-94BF704193DC}"/>
+              </a:ext>
+            </a:extLst>
+          </p:cNvPr>
+          <p:cNvPicPr>
+            <a:picLocks noChangeAspect="1"/>
+          </p:cNvPicPr>
+          <p:nvPr/>
+        </p:nvPicPr>
+        <p:blipFill rotWithShape="1">
+          <a:blip r:embed="rId3">
+            <a:extLst>
+              <a:ext uri="{28A0092B-C50C-407E-A947-70E740481C1C}">
+                <a14:useLocalDpi xmlns:a14="http://schemas.microsoft.com/office/drawing/2010/main" val="0"/>
+              </a:ext>
+            </a:extLst>
+          </a:blip>
+          <a:srcRect l="-1" t="-94" r="106" b="174"/>
+          <a:stretch/>
+        </p:blipFill>
+        <p:spPr>
+          <a:xfrm>
+            <a:off x="618066" y="2320826"/>
+            <a:ext cx="4773084" cy="1851124"/>
+          </a:xfrm>
+          <a:prstGeom prst="rect">
+            <a:avLst/>
+          </a:prstGeom>
+        </p:spPr>
+      </p:pic>
+    </p:spTree>
+    <p:extLst>
+      <p:ext uri="{BB962C8B-B14F-4D97-AF65-F5344CB8AC3E}">
+        <p14:creationId xmlns:p14="http://schemas.microsoft.com/office/powerpoint/2010/main" val="2589891421"/>
+      </p:ext>
+    </p:extLst>
+  </p:cSld>
+  <p:clrMapOvr>
+    <a:masterClrMapping/>
+  </p:clrMapOvr>
+</p:sld>
+</file>
+
 <file path=ppt/slides/slide2.xml><?xml version="1.0" encoding="utf-8"?>
 <p:sld xmlns:a="http://schemas.openxmlformats.org/drawingml/2006/main" xmlns:r="http://schemas.openxmlformats.org/officeDocument/2006/relationships" xmlns:p="http://schemas.openxmlformats.org/presentationml/2006/main">
   <p:cSld>
@@ -3809,7 +4865,12 @@
             <p:ph type="title"/>
           </p:nvPr>
         </p:nvSpPr>
-        <p:spPr/>
+        <p:spPr>
+          <a:xfrm>
+            <a:off x="1812914" y="601134"/>
+            <a:ext cx="8566171" cy="653010"/>
+          </a:xfrm>
+        </p:spPr>
         <p:txBody>
           <a:bodyPr/>
           <a:lstStyle/>
@@ -3838,16 +4899,38 @@
             <p:ph idx="1"/>
           </p:nvPr>
         </p:nvSpPr>
-        <p:spPr/>
-        <p:txBody>
-          <a:bodyPr/>
+        <p:spPr>
+          <a:xfrm>
+            <a:off x="1120947" y="1758450"/>
+            <a:ext cx="9950103" cy="3956550"/>
+          </a:xfrm>
+        </p:spPr>
+        <p:txBody>
+          <a:bodyPr>
+            <a:normAutofit/>
+          </a:bodyPr>
           <a:lstStyle/>
           <a:p>
             <a:r>
               <a:rPr lang="en-US" dirty="0"/>
-              <a:t>In our baseline model while performing the pre-processing we found that a third of the rows in the data had 5 or more of its features missing, and as we saw most of the features as important and crucial to the modeling but did not want to risk the affect of imputing them creating any skew due to heavy bias from happening, we decided to remove all of the rows that had more than 5 features missing, and randomly select 3,300 rows to remove which had exactly 5 features missing, after that removal, we imputed all the missing values that were left, which had a lot less weight in the data now creating a light skew that acts as a place-holder for the missing values there.</a:t>
-            </a:r>
-            <a:endParaRPr lang="en-IL" dirty="0"/>
+              <a:t>In our baseline model while performing the pre-processing we found that a third of the rows in the data had 5 or more of its features as a missing value.</a:t>
+            </a:r>
+          </a:p>
+          <a:p>
+            <a:pPr algn="l"/>
+            <a:r>
+              <a:rPr lang="en-US" dirty="0"/>
+              <a:t>Since we didn’t want to risk skewing the data due to a heavy bias present from imputing them, or to delete this many samples from the data, we made a compromised solution where we removed all of the samples that had more than 5 missing values, and randomly selected 3,300 rows to remove which had exactly 5 missing values.</a:t>
+            </a:r>
+          </a:p>
+          <a:p>
+            <a:r>
+              <a:rPr lang="en-US" dirty="0"/>
+              <a:t>after that process, we imputed all the missing values that were left using a KNN imputer function, these imputed values had a lot less weight in the data, creating only a light skew with low strength in its interpretation withing the data, which acts as a place-holder for the missing values that were there.</a:t>
+            </a:r>
+          </a:p>
+          <a:p>
+            <a:endParaRPr lang="en-US" dirty="0"/>
           </a:p>
         </p:txBody>
       </p:sp>
@@ -3883,10 +4966,10 @@
       </p:grpSpPr>
       <p:sp>
         <p:nvSpPr>
-          <p:cNvPr id="2" name="Title 1">
-            <a:extLst>
-              <a:ext uri="{FF2B5EF4-FFF2-40B4-BE49-F238E27FC236}">
-                <a16:creationId xmlns:a16="http://schemas.microsoft.com/office/drawing/2014/main" id="{4E3CC64B-4823-906F-D84C-CAD667ACB703}"/>
+          <p:cNvPr id="4" name="Title 3">
+            <a:extLst>
+              <a:ext uri="{FF2B5EF4-FFF2-40B4-BE49-F238E27FC236}">
+                <a16:creationId xmlns:a16="http://schemas.microsoft.com/office/drawing/2014/main" id="{38C55F56-09F6-E0CD-859F-5C74B703DE61}"/>
               </a:ext>
             </a:extLst>
           </p:cNvPr>
@@ -3897,68 +4980,123 @@
             <p:ph type="title"/>
           </p:nvPr>
         </p:nvSpPr>
-        <p:spPr/>
-        <p:txBody>
-          <a:bodyPr/>
-          <a:lstStyle/>
-          <a:p>
+        <p:spPr>
+          <a:xfrm>
+            <a:off x="840295" y="668865"/>
+            <a:ext cx="10469798" cy="661477"/>
+          </a:xfrm>
+        </p:spPr>
+        <p:txBody>
+          <a:bodyPr>
+            <a:noAutofit/>
+          </a:bodyPr>
+          <a:lstStyle/>
+          <a:p>
+            <a:pPr algn="ctr"/>
             <a:r>
               <a:rPr lang="en-US" dirty="0"/>
-              <a:t>Feature Engineering</a:t>
+              <a:t>Baseline Model Performance &amp; Kaggle Submission</a:t>
             </a:r>
             <a:endParaRPr lang="en-IL" dirty="0"/>
           </a:p>
         </p:txBody>
       </p:sp>
-      <p:sp>
-        <p:nvSpPr>
-          <p:cNvPr id="3" name="Content Placeholder 2">
-            <a:extLst>
-              <a:ext uri="{FF2B5EF4-FFF2-40B4-BE49-F238E27FC236}">
-                <a16:creationId xmlns:a16="http://schemas.microsoft.com/office/drawing/2014/main" id="{36C0BE52-4876-88D5-CC7A-0479E9DE2FCA}"/>
-              </a:ext>
-            </a:extLst>
-          </p:cNvPr>
-          <p:cNvSpPr>
-            <a:spLocks noGrp="1"/>
-          </p:cNvSpPr>
-          <p:nvPr>
-            <p:ph idx="1"/>
-          </p:nvPr>
-        </p:nvSpPr>
-        <p:spPr/>
-        <p:txBody>
-          <a:bodyPr>
-            <a:normAutofit fontScale="92500" lnSpcReduction="10000"/>
+      <p:pic>
+        <p:nvPicPr>
+          <p:cNvPr id="6" name="Picture 5">
+            <a:extLst>
+              <a:ext uri="{FF2B5EF4-FFF2-40B4-BE49-F238E27FC236}">
+                <a16:creationId xmlns:a16="http://schemas.microsoft.com/office/drawing/2014/main" id="{ED129C02-D839-EDDF-ABC2-C496A5AC476F}"/>
+              </a:ext>
+            </a:extLst>
+          </p:cNvPr>
+          <p:cNvPicPr>
+            <a:picLocks noChangeAspect="1"/>
+          </p:cNvPicPr>
+          <p:nvPr/>
+        </p:nvPicPr>
+        <p:blipFill>
+          <a:blip r:embed="rId2">
+            <a:extLst>
+              <a:ext uri="{28A0092B-C50C-407E-A947-70E740481C1C}">
+                <a14:useLocalDpi xmlns:a14="http://schemas.microsoft.com/office/drawing/2010/main" val="0"/>
+              </a:ext>
+            </a:extLst>
+          </a:blip>
+          <a:srcRect/>
+          <a:stretch/>
+        </p:blipFill>
+        <p:spPr>
+          <a:xfrm>
+            <a:off x="6126575" y="1604318"/>
+            <a:ext cx="5152942" cy="3331749"/>
+          </a:xfrm>
+          <a:prstGeom prst="rect">
+            <a:avLst/>
+          </a:prstGeom>
+        </p:spPr>
+      </p:pic>
+      <p:sp>
+        <p:nvSpPr>
+          <p:cNvPr id="7" name="TextBox 6">
+            <a:extLst>
+              <a:ext uri="{FF2B5EF4-FFF2-40B4-BE49-F238E27FC236}">
+                <a16:creationId xmlns:a16="http://schemas.microsoft.com/office/drawing/2014/main" id="{ACD9C5FF-C991-2794-6DFE-2DD2BFC96189}"/>
+              </a:ext>
+            </a:extLst>
+          </p:cNvPr>
+          <p:cNvSpPr txBox="1"/>
+          <p:nvPr/>
+        </p:nvSpPr>
+        <p:spPr>
+          <a:xfrm>
+            <a:off x="1083733" y="1871134"/>
+            <a:ext cx="3970867" cy="1477328"/>
+          </a:xfrm>
+          <a:prstGeom prst="rect">
+            <a:avLst/>
+          </a:prstGeom>
+          <a:noFill/>
+        </p:spPr>
+        <p:txBody>
+          <a:bodyPr wrap="square" rtlCol="0">
+            <a:spAutoFit/>
           </a:bodyPr>
           <a:lstStyle/>
           <a:p>
             <a:r>
               <a:rPr lang="en-US" dirty="0"/>
-              <a:t>The features we created were diverse in their reasoning, and we chose them each one for its own specific purpose to fill that in our opinion is represented within the data, but not directly expressed, and might be missed out on its importance</a:t>
-            </a:r>
-            <a:br>
+              <a:t>Kaggle Submission Result:</a:t>
+            </a:r>
+          </a:p>
+          <a:p>
+            <a:endParaRPr lang="en-US" dirty="0"/>
+          </a:p>
+          <a:p>
+            <a:pPr marL="285750" indent="-285750">
+              <a:buFont typeface="Arial" panose="020B0604020202020204" pitchFamily="34" charset="0"/>
+              <a:buChar char="•"/>
+            </a:pPr>
+            <a:r>
               <a:rPr lang="en-US" dirty="0"/>
-            </a:br>
+              <a:t>Public- 0.38735</a:t>
+            </a:r>
+          </a:p>
+          <a:p>
+            <a:pPr marL="285750" indent="-285750">
+              <a:buFont typeface="Arial" panose="020B0604020202020204" pitchFamily="34" charset="0"/>
+              <a:buChar char="•"/>
+            </a:pPr>
+            <a:endParaRPr lang="en-US" dirty="0"/>
+          </a:p>
+          <a:p>
+            <a:pPr marL="285750" indent="-285750">
+              <a:buFont typeface="Arial" panose="020B0604020202020204" pitchFamily="34" charset="0"/>
+              <a:buChar char="•"/>
+            </a:pPr>
             <a:r>
               <a:rPr lang="en-US" dirty="0"/>
-              <a:t>here are some examples:</a:t>
-            </a:r>
-          </a:p>
-          <a:p>
-            <a:r>
-              <a:rPr lang="en-US" dirty="0" err="1"/>
-              <a:t>usdeur</a:t>
-            </a:r>
-            <a:r>
-              <a:rPr lang="en-US" dirty="0"/>
-              <a:t> – the exchange rate between the US Dollar and the European Euro, which has a strong connection to the changing prices of oil in the world and in Russia, this is represented as a hinted manner within the exchange rates of Russian Rubel with US Dollar and with European Euro, but it is not directly mentioned and its information is missed.</a:t>
-            </a:r>
-          </a:p>
-          <a:p>
-            <a:r>
-              <a:rPr lang="en-US" dirty="0"/>
-              <a:t>basketInflationMA3 – a moving average across 3 months periods of the inflation of the fixed basket consumed by average consumers, has great affect on the available income of the population to handle the prices existing in the housing market.</a:t>
+              <a:t>Private- 0.38628</a:t>
             </a:r>
           </a:p>
         </p:txBody>
@@ -3966,7 +5104,7 @@
     </p:spTree>
     <p:extLst>
       <p:ext uri="{BB962C8B-B14F-4D97-AF65-F5344CB8AC3E}">
-        <p14:creationId xmlns:p14="http://schemas.microsoft.com/office/powerpoint/2010/main" val="1825885386"/>
+        <p14:creationId xmlns:p14="http://schemas.microsoft.com/office/powerpoint/2010/main" val="2755477307"/>
       </p:ext>
     </p:extLst>
   </p:cSld>
@@ -3995,10 +5133,10 @@
       </p:grpSpPr>
       <p:sp>
         <p:nvSpPr>
-          <p:cNvPr id="2" name="Title 1">
-            <a:extLst>
-              <a:ext uri="{FF2B5EF4-FFF2-40B4-BE49-F238E27FC236}">
-                <a16:creationId xmlns:a16="http://schemas.microsoft.com/office/drawing/2014/main" id="{68BC62F2-ED1B-5496-8B1A-9B7952969A89}"/>
+          <p:cNvPr id="4" name="Title 3">
+            <a:extLst>
+              <a:ext uri="{FF2B5EF4-FFF2-40B4-BE49-F238E27FC236}">
+                <a16:creationId xmlns:a16="http://schemas.microsoft.com/office/drawing/2014/main" id="{77226392-D490-1E05-E61D-FFD2D808CD74}"/>
               </a:ext>
             </a:extLst>
           </p:cNvPr>
@@ -4009,63 +5147,19 @@
             <p:ph type="title"/>
           </p:nvPr>
         </p:nvSpPr>
-        <p:spPr/>
+        <p:spPr>
+          <a:xfrm>
+            <a:off x="1812914" y="2235201"/>
+            <a:ext cx="8566171" cy="653010"/>
+          </a:xfrm>
+        </p:spPr>
         <p:txBody>
           <a:bodyPr/>
           <a:lstStyle/>
           <a:p>
             <a:r>
               <a:rPr lang="en-US" dirty="0"/>
-              <a:t>Feature Selection</a:t>
-            </a:r>
-            <a:endParaRPr lang="en-IL" dirty="0"/>
-          </a:p>
-        </p:txBody>
-      </p:sp>
-      <p:sp>
-        <p:nvSpPr>
-          <p:cNvPr id="3" name="Content Placeholder 2">
-            <a:extLst>
-              <a:ext uri="{FF2B5EF4-FFF2-40B4-BE49-F238E27FC236}">
-                <a16:creationId xmlns:a16="http://schemas.microsoft.com/office/drawing/2014/main" id="{71004BEC-509D-023B-0A5F-A72BDDED5582}"/>
-              </a:ext>
-            </a:extLst>
-          </p:cNvPr>
-          <p:cNvSpPr>
-            <a:spLocks noGrp="1"/>
-          </p:cNvSpPr>
-          <p:nvPr>
-            <p:ph idx="1"/>
-          </p:nvPr>
-        </p:nvSpPr>
-        <p:spPr/>
-        <p:txBody>
-          <a:bodyPr>
-            <a:normAutofit lnSpcReduction="10000"/>
-          </a:bodyPr>
-          <a:lstStyle/>
-          <a:p>
-            <a:r>
-              <a:rPr lang="en-US" dirty="0"/>
-              <a:t>For selecting the features, we tried to help the models avoid multicollinearity while maintaining the features with the most information in them.</a:t>
-            </a:r>
-          </a:p>
-          <a:p>
-            <a:r>
-              <a:rPr lang="en-US" dirty="0"/>
-              <a:t>To do so we created a correlation matrix and noticed many small and large groups of features who are correlated with each other.</a:t>
-            </a:r>
-          </a:p>
-          <a:p>
-            <a:r>
-              <a:rPr lang="en-US" dirty="0"/>
-              <a:t>For each group (as long there is more than one feature) we kept only the features with importance level above the group’s average importance level, and depending on the model we ended up with different sets of features, but a few always prevailed due to their importance</a:t>
-            </a:r>
-          </a:p>
-          <a:p>
-            <a:r>
-              <a:rPr lang="en-US" dirty="0"/>
-              <a:t>And then according to the importance levels of the features left, we chose how many from the top to keep for the modeling.</a:t>
+              <a:t>Model Enhancement - Key Components</a:t>
             </a:r>
             <a:endParaRPr lang="en-IL" dirty="0"/>
           </a:p>
@@ -4074,7 +5168,7 @@
     </p:spTree>
     <p:extLst>
       <p:ext uri="{BB962C8B-B14F-4D97-AF65-F5344CB8AC3E}">
-        <p14:creationId xmlns:p14="http://schemas.microsoft.com/office/powerpoint/2010/main" val="1745143897"/>
+        <p14:creationId xmlns:p14="http://schemas.microsoft.com/office/powerpoint/2010/main" val="1063166900"/>
       </p:ext>
     </p:extLst>
   </p:cSld>
@@ -4106,6 +5200,695 @@
           <p:cNvPr id="2" name="Title 1">
             <a:extLst>
               <a:ext uri="{FF2B5EF4-FFF2-40B4-BE49-F238E27FC236}">
+                <a16:creationId xmlns:a16="http://schemas.microsoft.com/office/drawing/2014/main" id="{4E3CC64B-4823-906F-D84C-CAD667ACB703}"/>
+              </a:ext>
+            </a:extLst>
+          </p:cNvPr>
+          <p:cNvSpPr>
+            <a:spLocks noGrp="1"/>
+          </p:cNvSpPr>
+          <p:nvPr>
+            <p:ph type="title"/>
+          </p:nvPr>
+        </p:nvSpPr>
+        <p:spPr>
+          <a:xfrm>
+            <a:off x="3885073" y="625647"/>
+            <a:ext cx="4421852" cy="619143"/>
+          </a:xfrm>
+        </p:spPr>
+        <p:txBody>
+          <a:bodyPr/>
+          <a:lstStyle/>
+          <a:p>
+            <a:r>
+              <a:rPr lang="en-US" dirty="0"/>
+              <a:t>Feature Engineering</a:t>
+            </a:r>
+            <a:endParaRPr lang="en-IL" dirty="0"/>
+          </a:p>
+        </p:txBody>
+      </p:sp>
+      <p:sp>
+        <p:nvSpPr>
+          <p:cNvPr id="4" name="TextBox 3">
+            <a:extLst>
+              <a:ext uri="{FF2B5EF4-FFF2-40B4-BE49-F238E27FC236}">
+                <a16:creationId xmlns:a16="http://schemas.microsoft.com/office/drawing/2014/main" id="{74F59668-0043-2B2A-4CCD-B2A065113CE4}"/>
+              </a:ext>
+            </a:extLst>
+          </p:cNvPr>
+          <p:cNvSpPr txBox="1"/>
+          <p:nvPr/>
+        </p:nvSpPr>
+        <p:spPr>
+          <a:xfrm>
+            <a:off x="5638800" y="2976033"/>
+            <a:ext cx="914400" cy="914400"/>
+          </a:xfrm>
+          <a:prstGeom prst="rect">
+            <a:avLst/>
+          </a:prstGeom>
+          <a:noFill/>
+        </p:spPr>
+        <p:txBody>
+          <a:bodyPr wrap="square" rtlCol="0">
+            <a:spAutoFit/>
+          </a:bodyPr>
+          <a:lstStyle/>
+          <a:p>
+            <a:endParaRPr lang="en-US" dirty="0"/>
+          </a:p>
+        </p:txBody>
+      </p:sp>
+      <p:sp>
+        <p:nvSpPr>
+          <p:cNvPr id="5" name="TextBox 4">
+            <a:extLst>
+              <a:ext uri="{FF2B5EF4-FFF2-40B4-BE49-F238E27FC236}">
+                <a16:creationId xmlns:a16="http://schemas.microsoft.com/office/drawing/2014/main" id="{69521835-6DC5-CDE2-1755-E4F0C4124E00}"/>
+              </a:ext>
+            </a:extLst>
+          </p:cNvPr>
+          <p:cNvSpPr txBox="1"/>
+          <p:nvPr/>
+        </p:nvSpPr>
+        <p:spPr>
+          <a:xfrm>
+            <a:off x="731967" y="1821871"/>
+            <a:ext cx="10745699" cy="2308324"/>
+          </a:xfrm>
+          <a:prstGeom prst="rect">
+            <a:avLst/>
+          </a:prstGeom>
+          <a:noFill/>
+        </p:spPr>
+        <p:txBody>
+          <a:bodyPr wrap="none" rtlCol="0">
+            <a:spAutoFit/>
+          </a:bodyPr>
+          <a:lstStyle/>
+          <a:p>
+            <a:pPr marL="285750" indent="-285750">
+              <a:buFont typeface="Arial" panose="020B0604020202020204" pitchFamily="34" charset="0"/>
+              <a:buChar char="•"/>
+            </a:pPr>
+            <a:r>
+              <a:rPr lang="en-US" dirty="0"/>
+              <a:t>The motivation behind the feature engineering was</a:t>
+            </a:r>
+            <a:r>
+              <a:rPr lang="he-IL" dirty="0"/>
+              <a:t> </a:t>
+            </a:r>
+            <a:r>
+              <a:rPr lang="en-US" dirty="0"/>
+              <a:t>using economic criteria which in turn influence</a:t>
+            </a:r>
+            <a:br>
+              <a:rPr lang="en-US" dirty="0"/>
+            </a:br>
+            <a:r>
+              <a:rPr lang="en-US" dirty="0"/>
+              <a:t>behavior in the housing market, such as inflation, the cost of raw materials,</a:t>
+            </a:r>
+            <a:br>
+              <a:rPr lang="en-US" dirty="0"/>
+            </a:br>
+            <a:r>
+              <a:rPr lang="en-US" dirty="0"/>
+              <a:t>the interest rate on a mortgage, etc.</a:t>
+            </a:r>
+          </a:p>
+          <a:p>
+            <a:endParaRPr lang="en-US" dirty="0"/>
+          </a:p>
+          <a:p>
+            <a:pPr marL="285750" indent="-285750">
+              <a:buFont typeface="Arial" panose="020B0604020202020204" pitchFamily="34" charset="0"/>
+              <a:buChar char="•"/>
+            </a:pPr>
+            <a:r>
+              <a:rPr lang="en-US" dirty="0"/>
+              <a:t>To create those, we imported the macro data that contained related data and used manipulations</a:t>
+            </a:r>
+            <a:br>
+              <a:rPr lang="en-US" dirty="0"/>
+            </a:br>
+            <a:r>
+              <a:rPr lang="en-US" dirty="0"/>
+              <a:t>such as moving average over a quarterly time period to track changes in interest rates, inflation and</a:t>
+            </a:r>
+            <a:br>
+              <a:rPr lang="en-US" dirty="0"/>
+            </a:br>
+            <a:r>
+              <a:rPr lang="en-US" dirty="0"/>
+              <a:t>household income based on the Consumer Price Index, income from fuel prices and changes in</a:t>
+            </a:r>
+            <a:br>
+              <a:rPr lang="en-US" dirty="0"/>
+            </a:br>
+            <a:r>
+              <a:rPr lang="en-US" dirty="0"/>
+              <a:t>the currency exchange rate.</a:t>
+            </a:r>
+          </a:p>
+        </p:txBody>
+      </p:sp>
+    </p:spTree>
+    <p:extLst>
+      <p:ext uri="{BB962C8B-B14F-4D97-AF65-F5344CB8AC3E}">
+        <p14:creationId xmlns:p14="http://schemas.microsoft.com/office/powerpoint/2010/main" val="1825885386"/>
+      </p:ext>
+    </p:extLst>
+  </p:cSld>
+  <p:clrMapOvr>
+    <a:masterClrMapping/>
+  </p:clrMapOvr>
+</p:sld>
+</file>
+
+<file path=ppt/slides/slide6.xml><?xml version="1.0" encoding="utf-8"?>
+<p:sld xmlns:a="http://schemas.openxmlformats.org/drawingml/2006/main" xmlns:r="http://schemas.openxmlformats.org/officeDocument/2006/relationships" xmlns:p="http://schemas.openxmlformats.org/presentationml/2006/main">
+  <p:cSld>
+    <p:spTree>
+      <p:nvGrpSpPr>
+        <p:cNvPr id="1" name=""/>
+        <p:cNvGrpSpPr/>
+        <p:nvPr/>
+      </p:nvGrpSpPr>
+      <p:grpSpPr>
+        <a:xfrm>
+          <a:off x="0" y="0"/>
+          <a:ext cx="0" cy="0"/>
+          <a:chOff x="0" y="0"/>
+          <a:chExt cx="0" cy="0"/>
+        </a:xfrm>
+      </p:grpSpPr>
+      <p:sp>
+        <p:nvSpPr>
+          <p:cNvPr id="2" name="Title 1">
+            <a:extLst>
+              <a:ext uri="{FF2B5EF4-FFF2-40B4-BE49-F238E27FC236}">
+                <a16:creationId xmlns:a16="http://schemas.microsoft.com/office/drawing/2014/main" id="{68BC62F2-ED1B-5496-8B1A-9B7952969A89}"/>
+              </a:ext>
+            </a:extLst>
+          </p:cNvPr>
+          <p:cNvSpPr>
+            <a:spLocks noGrp="1"/>
+          </p:cNvSpPr>
+          <p:nvPr>
+            <p:ph type="title"/>
+          </p:nvPr>
+        </p:nvSpPr>
+        <p:spPr>
+          <a:xfrm>
+            <a:off x="3959214" y="531399"/>
+            <a:ext cx="4273571" cy="771542"/>
+          </a:xfrm>
+        </p:spPr>
+        <p:txBody>
+          <a:bodyPr>
+            <a:normAutofit/>
+          </a:bodyPr>
+          <a:lstStyle/>
+          <a:p>
+            <a:r>
+              <a:rPr lang="en-US" dirty="0"/>
+              <a:t>Feature Selection</a:t>
+            </a:r>
+            <a:endParaRPr lang="en-IL" dirty="0"/>
+          </a:p>
+        </p:txBody>
+      </p:sp>
+      <p:sp>
+        <p:nvSpPr>
+          <p:cNvPr id="3" name="Content Placeholder 2">
+            <a:extLst>
+              <a:ext uri="{FF2B5EF4-FFF2-40B4-BE49-F238E27FC236}">
+                <a16:creationId xmlns:a16="http://schemas.microsoft.com/office/drawing/2014/main" id="{71004BEC-509D-023B-0A5F-A72BDDED5582}"/>
+              </a:ext>
+            </a:extLst>
+          </p:cNvPr>
+          <p:cNvSpPr>
+            <a:spLocks noGrp="1"/>
+          </p:cNvSpPr>
+          <p:nvPr>
+            <p:ph idx="1"/>
+          </p:nvPr>
+        </p:nvSpPr>
+        <p:spPr>
+          <a:xfrm>
+            <a:off x="1120948" y="1495983"/>
+            <a:ext cx="4450120" cy="3524750"/>
+          </a:xfrm>
+        </p:spPr>
+        <p:txBody>
+          <a:bodyPr>
+            <a:normAutofit/>
+          </a:bodyPr>
+          <a:lstStyle/>
+          <a:p>
+            <a:r>
+              <a:rPr lang="en-US" dirty="0"/>
+              <a:t>For selecting the features, we tried to help the models avoid multicollinearity while maintaining the features with the most information in them.</a:t>
+            </a:r>
+          </a:p>
+          <a:p>
+            <a:r>
+              <a:rPr lang="en-US" dirty="0"/>
+              <a:t>To do so we created a correlation matrix and noticed many small and large groups of features who are correlated with each other.</a:t>
+            </a:r>
+          </a:p>
+        </p:txBody>
+      </p:sp>
+      <p:pic>
+        <p:nvPicPr>
+          <p:cNvPr id="7" name="Picture 6">
+            <a:extLst>
+              <a:ext uri="{FF2B5EF4-FFF2-40B4-BE49-F238E27FC236}">
+                <a16:creationId xmlns:a16="http://schemas.microsoft.com/office/drawing/2014/main" id="{7C410B10-D3C6-3828-738E-123713E4D456}"/>
+              </a:ext>
+            </a:extLst>
+          </p:cNvPr>
+          <p:cNvPicPr>
+            <a:picLocks noChangeAspect="1"/>
+          </p:cNvPicPr>
+          <p:nvPr/>
+        </p:nvPicPr>
+        <p:blipFill rotWithShape="1">
+          <a:blip r:embed="rId2">
+            <a:extLst>
+              <a:ext uri="{28A0092B-C50C-407E-A947-70E740481C1C}">
+                <a14:useLocalDpi xmlns:a14="http://schemas.microsoft.com/office/drawing/2010/main" val="0"/>
+              </a:ext>
+            </a:extLst>
+          </a:blip>
+          <a:srcRect l="39102" t="-2118" b="-1"/>
+          <a:stretch/>
+        </p:blipFill>
+        <p:spPr>
+          <a:xfrm>
+            <a:off x="5565915" y="1131490"/>
+            <a:ext cx="5780048" cy="4418409"/>
+          </a:xfrm>
+          <a:prstGeom prst="rect">
+            <a:avLst/>
+          </a:prstGeom>
+        </p:spPr>
+      </p:pic>
+    </p:spTree>
+    <p:extLst>
+      <p:ext uri="{BB962C8B-B14F-4D97-AF65-F5344CB8AC3E}">
+        <p14:creationId xmlns:p14="http://schemas.microsoft.com/office/powerpoint/2010/main" val="1745143897"/>
+      </p:ext>
+    </p:extLst>
+  </p:cSld>
+  <p:clrMapOvr>
+    <a:masterClrMapping/>
+  </p:clrMapOvr>
+</p:sld>
+</file>
+
+<file path=ppt/slides/slide7.xml><?xml version="1.0" encoding="utf-8"?>
+<p:sld xmlns:a="http://schemas.openxmlformats.org/drawingml/2006/main" xmlns:r="http://schemas.openxmlformats.org/officeDocument/2006/relationships" xmlns:p="http://schemas.openxmlformats.org/presentationml/2006/main">
+  <p:cSld>
+    <p:spTree>
+      <p:nvGrpSpPr>
+        <p:cNvPr id="1" name=""/>
+        <p:cNvGrpSpPr/>
+        <p:nvPr/>
+      </p:nvGrpSpPr>
+      <p:grpSpPr>
+        <a:xfrm>
+          <a:off x="0" y="0"/>
+          <a:ext cx="0" cy="0"/>
+          <a:chOff x="0" y="0"/>
+          <a:chExt cx="0" cy="0"/>
+        </a:xfrm>
+      </p:grpSpPr>
+      <p:sp>
+        <p:nvSpPr>
+          <p:cNvPr id="4" name="TextBox 3">
+            <a:extLst>
+              <a:ext uri="{FF2B5EF4-FFF2-40B4-BE49-F238E27FC236}">
+                <a16:creationId xmlns:a16="http://schemas.microsoft.com/office/drawing/2014/main" id="{AACE6B36-031E-734A-2FFE-15A68CAB05BD}"/>
+              </a:ext>
+            </a:extLst>
+          </p:cNvPr>
+          <p:cNvSpPr txBox="1"/>
+          <p:nvPr/>
+        </p:nvSpPr>
+        <p:spPr>
+          <a:xfrm>
+            <a:off x="846667" y="1518220"/>
+            <a:ext cx="5147733" cy="3821559"/>
+          </a:xfrm>
+          <a:prstGeom prst="rect">
+            <a:avLst/>
+          </a:prstGeom>
+          <a:noFill/>
+        </p:spPr>
+        <p:txBody>
+          <a:bodyPr wrap="square" rtlCol="0">
+            <a:spAutoFit/>
+          </a:bodyPr>
+          <a:lstStyle/>
+          <a:p>
+            <a:pPr marL="228600" marR="0" lvl="0" indent="-228600" algn="l" defTabSz="914400" rtl="0" eaLnBrk="1" fontAlgn="auto" latinLnBrk="0" hangingPunct="1">
+              <a:lnSpc>
+                <a:spcPct val="120000"/>
+              </a:lnSpc>
+              <a:spcBef>
+                <a:spcPts val="1000"/>
+              </a:spcBef>
+              <a:spcAft>
+                <a:spcPts val="0"/>
+              </a:spcAft>
+              <a:buClrTx/>
+              <a:buSzTx/>
+              <a:buFont typeface="Arial" panose="020B0604020202020204" pitchFamily="34" charset="0"/>
+              <a:buChar char="•"/>
+              <a:tabLst/>
+              <a:defRPr/>
+            </a:pPr>
+            <a:r>
+              <a:rPr kumimoji="0" lang="en-US" sz="1800" b="0" i="0" u="none" strike="noStrike" kern="1200" cap="none" spc="0" normalizeH="0" baseline="0" noProof="0" dirty="0">
+                <a:ln>
+                  <a:noFill/>
+                </a:ln>
+                <a:solidFill>
+                  <a:prstClr val="black"/>
+                </a:solidFill>
+                <a:effectLst/>
+                <a:uLnTx/>
+                <a:uFillTx/>
+                <a:latin typeface="Avenir Next LT Pro Light"/>
+                <a:ea typeface="+mn-ea"/>
+                <a:cs typeface="+mn-cs"/>
+              </a:rPr>
+              <a:t>For each group (as long there is more than one feature) we kept only the features with importance level above the group’s average importance level, and depending on the model we ended up with different sets of features, but a few always prevailed due to their importance</a:t>
+            </a:r>
+          </a:p>
+          <a:p>
+            <a:pPr marL="228600" marR="0" lvl="0" indent="-228600" algn="l" defTabSz="914400" rtl="0" eaLnBrk="1" fontAlgn="auto" latinLnBrk="0" hangingPunct="1">
+              <a:lnSpc>
+                <a:spcPct val="120000"/>
+              </a:lnSpc>
+              <a:spcBef>
+                <a:spcPts val="1000"/>
+              </a:spcBef>
+              <a:spcAft>
+                <a:spcPts val="0"/>
+              </a:spcAft>
+              <a:buClrTx/>
+              <a:buSzTx/>
+              <a:buFont typeface="Arial" panose="020B0604020202020204" pitchFamily="34" charset="0"/>
+              <a:buChar char="•"/>
+              <a:tabLst/>
+              <a:defRPr/>
+            </a:pPr>
+            <a:r>
+              <a:rPr kumimoji="0" lang="en-US" sz="1800" b="0" i="0" u="none" strike="noStrike" kern="1200" cap="none" spc="0" normalizeH="0" baseline="0" noProof="0" dirty="0">
+                <a:ln>
+                  <a:noFill/>
+                </a:ln>
+                <a:solidFill>
+                  <a:prstClr val="black"/>
+                </a:solidFill>
+                <a:effectLst/>
+                <a:uLnTx/>
+                <a:uFillTx/>
+                <a:latin typeface="Avenir Next LT Pro Light"/>
+                <a:ea typeface="+mn-ea"/>
+                <a:cs typeface="+mn-cs"/>
+              </a:rPr>
+              <a:t>And then according to the importance levels of the features left, we chose how many from the top to keep for the modeling.</a:t>
+            </a:r>
+            <a:endParaRPr kumimoji="0" lang="en-IL" sz="1800" b="0" i="0" u="none" strike="noStrike" kern="1200" cap="none" spc="0" normalizeH="0" baseline="0" noProof="0" dirty="0">
+              <a:ln>
+                <a:noFill/>
+              </a:ln>
+              <a:solidFill>
+                <a:prstClr val="black"/>
+              </a:solidFill>
+              <a:effectLst/>
+              <a:uLnTx/>
+              <a:uFillTx/>
+              <a:latin typeface="Avenir Next LT Pro Light"/>
+              <a:ea typeface="+mn-ea"/>
+              <a:cs typeface="+mn-cs"/>
+            </a:endParaRPr>
+          </a:p>
+          <a:p>
+            <a:endParaRPr lang="en-US" dirty="0"/>
+          </a:p>
+        </p:txBody>
+      </p:sp>
+      <p:sp>
+        <p:nvSpPr>
+          <p:cNvPr id="5" name="Title 1">
+            <a:extLst>
+              <a:ext uri="{FF2B5EF4-FFF2-40B4-BE49-F238E27FC236}">
+                <a16:creationId xmlns:a16="http://schemas.microsoft.com/office/drawing/2014/main" id="{AE5DB714-2A0B-E11E-2F83-275B3C3ADFC0}"/>
+              </a:ext>
+            </a:extLst>
+          </p:cNvPr>
+          <p:cNvSpPr>
+            <a:spLocks noGrp="1"/>
+          </p:cNvSpPr>
+          <p:nvPr>
+            <p:ph type="title"/>
+          </p:nvPr>
+        </p:nvSpPr>
+        <p:spPr>
+          <a:xfrm>
+            <a:off x="3234267" y="609600"/>
+            <a:ext cx="5520266" cy="736599"/>
+          </a:xfrm>
+        </p:spPr>
+        <p:txBody>
+          <a:bodyPr>
+            <a:normAutofit fontScale="90000"/>
+          </a:bodyPr>
+          <a:lstStyle/>
+          <a:p>
+            <a:r>
+              <a:rPr lang="en-US" dirty="0"/>
+              <a:t>Feature Selection - Continued </a:t>
+            </a:r>
+            <a:endParaRPr lang="en-IL" dirty="0"/>
+          </a:p>
+        </p:txBody>
+      </p:sp>
+      <p:pic>
+        <p:nvPicPr>
+          <p:cNvPr id="7" name="Picture 6">
+            <a:extLst>
+              <a:ext uri="{FF2B5EF4-FFF2-40B4-BE49-F238E27FC236}">
+                <a16:creationId xmlns:a16="http://schemas.microsoft.com/office/drawing/2014/main" id="{677DED83-B6C0-0B5B-1567-CEA972663C93}"/>
+              </a:ext>
+            </a:extLst>
+          </p:cNvPr>
+          <p:cNvPicPr>
+            <a:picLocks noChangeAspect="1"/>
+          </p:cNvPicPr>
+          <p:nvPr/>
+        </p:nvPicPr>
+        <p:blipFill rotWithShape="1">
+          <a:blip r:embed="rId2">
+            <a:extLst>
+              <a:ext uri="{28A0092B-C50C-407E-A947-70E740481C1C}">
+                <a14:useLocalDpi xmlns:a14="http://schemas.microsoft.com/office/drawing/2010/main" val="0"/>
+              </a:ext>
+            </a:extLst>
+          </a:blip>
+          <a:srcRect r="61021"/>
+          <a:stretch/>
+        </p:blipFill>
+        <p:spPr>
+          <a:xfrm>
+            <a:off x="6534062" y="1394040"/>
+            <a:ext cx="3460838" cy="4047471"/>
+          </a:xfrm>
+          <a:prstGeom prst="rect">
+            <a:avLst/>
+          </a:prstGeom>
+        </p:spPr>
+      </p:pic>
+    </p:spTree>
+    <p:extLst>
+      <p:ext uri="{BB962C8B-B14F-4D97-AF65-F5344CB8AC3E}">
+        <p14:creationId xmlns:p14="http://schemas.microsoft.com/office/powerpoint/2010/main" val="2456909626"/>
+      </p:ext>
+    </p:extLst>
+  </p:cSld>
+  <p:clrMapOvr>
+    <a:masterClrMapping/>
+  </p:clrMapOvr>
+</p:sld>
+</file>
+
+<file path=ppt/slides/slide8.xml><?xml version="1.0" encoding="utf-8"?>
+<p:sld xmlns:a="http://schemas.openxmlformats.org/drawingml/2006/main" xmlns:r="http://schemas.openxmlformats.org/officeDocument/2006/relationships" xmlns:p="http://schemas.openxmlformats.org/presentationml/2006/main">
+  <p:cSld>
+    <p:spTree>
+      <p:nvGrpSpPr>
+        <p:cNvPr id="1" name=""/>
+        <p:cNvGrpSpPr/>
+        <p:nvPr/>
+      </p:nvGrpSpPr>
+      <p:grpSpPr>
+        <a:xfrm>
+          <a:off x="0" y="0"/>
+          <a:ext cx="0" cy="0"/>
+          <a:chOff x="0" y="0"/>
+          <a:chExt cx="0" cy="0"/>
+        </a:xfrm>
+      </p:grpSpPr>
+      <p:sp>
+        <p:nvSpPr>
+          <p:cNvPr id="4" name="Title 1">
+            <a:extLst>
+              <a:ext uri="{FF2B5EF4-FFF2-40B4-BE49-F238E27FC236}">
+                <a16:creationId xmlns:a16="http://schemas.microsoft.com/office/drawing/2014/main" id="{080F31D4-F8F8-A05F-A113-3C5B45CD0187}"/>
+              </a:ext>
+            </a:extLst>
+          </p:cNvPr>
+          <p:cNvSpPr>
+            <a:spLocks noGrp="1"/>
+          </p:cNvSpPr>
+          <p:nvPr>
+            <p:ph type="title"/>
+          </p:nvPr>
+        </p:nvSpPr>
+        <p:spPr>
+          <a:xfrm>
+            <a:off x="2451100" y="668867"/>
+            <a:ext cx="7289800" cy="660400"/>
+          </a:xfrm>
+        </p:spPr>
+        <p:txBody>
+          <a:bodyPr>
+            <a:normAutofit/>
+          </a:bodyPr>
+          <a:lstStyle/>
+          <a:p>
+            <a:pPr algn="ctr"/>
+            <a:r>
+              <a:rPr lang="en-US" dirty="0"/>
+              <a:t>Enhanced Models – Performances</a:t>
+            </a:r>
+            <a:endParaRPr lang="en-IL" dirty="0"/>
+          </a:p>
+        </p:txBody>
+      </p:sp>
+      <p:pic>
+        <p:nvPicPr>
+          <p:cNvPr id="6" name="Picture 5">
+            <a:extLst>
+              <a:ext uri="{FF2B5EF4-FFF2-40B4-BE49-F238E27FC236}">
+                <a16:creationId xmlns:a16="http://schemas.microsoft.com/office/drawing/2014/main" id="{7D4B50E1-81D3-ECE6-5F3B-BFED16CC5E34}"/>
+              </a:ext>
+            </a:extLst>
+          </p:cNvPr>
+          <p:cNvPicPr>
+            <a:picLocks noChangeAspect="1"/>
+          </p:cNvPicPr>
+          <p:nvPr/>
+        </p:nvPicPr>
+        <p:blipFill>
+          <a:blip r:embed="rId2">
+            <a:extLst>
+              <a:ext uri="{28A0092B-C50C-407E-A947-70E740481C1C}">
+                <a14:useLocalDpi xmlns:a14="http://schemas.microsoft.com/office/drawing/2010/main" val="0"/>
+              </a:ext>
+            </a:extLst>
+          </a:blip>
+          <a:srcRect/>
+          <a:stretch/>
+        </p:blipFill>
+        <p:spPr>
+          <a:xfrm>
+            <a:off x="5496828" y="1486537"/>
+            <a:ext cx="6058209" cy="3884924"/>
+          </a:xfrm>
+          <a:prstGeom prst="rect">
+            <a:avLst/>
+          </a:prstGeom>
+        </p:spPr>
+      </p:pic>
+      <p:pic>
+        <p:nvPicPr>
+          <p:cNvPr id="8" name="Picture 7">
+            <a:extLst>
+              <a:ext uri="{FF2B5EF4-FFF2-40B4-BE49-F238E27FC236}">
+                <a16:creationId xmlns:a16="http://schemas.microsoft.com/office/drawing/2014/main" id="{89B75860-64F8-122B-BF90-94BF704193DC}"/>
+              </a:ext>
+            </a:extLst>
+          </p:cNvPr>
+          <p:cNvPicPr>
+            <a:picLocks noChangeAspect="1"/>
+          </p:cNvPicPr>
+          <p:nvPr/>
+        </p:nvPicPr>
+        <p:blipFill rotWithShape="1">
+          <a:blip r:embed="rId3">
+            <a:extLst>
+              <a:ext uri="{28A0092B-C50C-407E-A947-70E740481C1C}">
+                <a14:useLocalDpi xmlns:a14="http://schemas.microsoft.com/office/drawing/2010/main" val="0"/>
+              </a:ext>
+            </a:extLst>
+          </a:blip>
+          <a:srcRect l="119" t="-509" r="157" b="-343"/>
+          <a:stretch/>
+        </p:blipFill>
+        <p:spPr>
+          <a:xfrm>
+            <a:off x="139700" y="2555941"/>
+            <a:ext cx="5357128" cy="1746115"/>
+          </a:xfrm>
+          <a:prstGeom prst="rect">
+            <a:avLst/>
+          </a:prstGeom>
+        </p:spPr>
+      </p:pic>
+    </p:spTree>
+    <p:extLst>
+      <p:ext uri="{BB962C8B-B14F-4D97-AF65-F5344CB8AC3E}">
+        <p14:creationId xmlns:p14="http://schemas.microsoft.com/office/powerpoint/2010/main" val="402713274"/>
+      </p:ext>
+    </p:extLst>
+  </p:cSld>
+  <p:clrMapOvr>
+    <a:masterClrMapping/>
+  </p:clrMapOvr>
+</p:sld>
+</file>
+
+<file path=ppt/slides/slide9.xml><?xml version="1.0" encoding="utf-8"?>
+<p:sld xmlns:a="http://schemas.openxmlformats.org/drawingml/2006/main" xmlns:r="http://schemas.openxmlformats.org/officeDocument/2006/relationships" xmlns:p="http://schemas.openxmlformats.org/presentationml/2006/main">
+  <p:cSld>
+    <p:spTree>
+      <p:nvGrpSpPr>
+        <p:cNvPr id="1" name=""/>
+        <p:cNvGrpSpPr/>
+        <p:nvPr/>
+      </p:nvGrpSpPr>
+      <p:grpSpPr>
+        <a:xfrm>
+          <a:off x="0" y="0"/>
+          <a:ext cx="0" cy="0"/>
+          <a:chOff x="0" y="0"/>
+          <a:chExt cx="0" cy="0"/>
+        </a:xfrm>
+      </p:grpSpPr>
+      <p:sp>
+        <p:nvSpPr>
+          <p:cNvPr id="2" name="Title 1">
+            <a:extLst>
+              <a:ext uri="{FF2B5EF4-FFF2-40B4-BE49-F238E27FC236}">
                 <a16:creationId xmlns:a16="http://schemas.microsoft.com/office/drawing/2014/main" id="{69A37E62-41D2-8B00-97BE-D6B86E6ECE58}"/>
               </a:ext>
             </a:extLst>
@@ -4117,14 +5900,21 @@
             <p:ph type="title"/>
           </p:nvPr>
         </p:nvSpPr>
-        <p:spPr/>
-        <p:txBody>
-          <a:bodyPr/>
+        <p:spPr>
+          <a:xfrm>
+            <a:off x="2834738" y="680011"/>
+            <a:ext cx="6522519" cy="678410"/>
+          </a:xfrm>
+        </p:spPr>
+        <p:txBody>
+          <a:bodyPr>
+            <a:normAutofit/>
+          </a:bodyPr>
           <a:lstStyle/>
           <a:p>
             <a:r>
               <a:rPr lang="en-US" dirty="0"/>
-              <a:t>Last Part Techniques</a:t>
+              <a:t>State-Of-The-Art Techniques</a:t>
             </a:r>
             <a:endParaRPr lang="en-IL" dirty="0"/>
           </a:p>
@@ -4146,62 +5936,468 @@
             <p:ph idx="1"/>
           </p:nvPr>
         </p:nvSpPr>
-        <p:spPr/>
+        <p:spPr>
+          <a:xfrm>
+            <a:off x="718169" y="1382487"/>
+            <a:ext cx="9950103" cy="678410"/>
+          </a:xfrm>
+        </p:spPr>
         <p:txBody>
           <a:bodyPr>
-            <a:normAutofit fontScale="92500" lnSpcReduction="10000"/>
+            <a:normAutofit/>
           </a:bodyPr>
           <a:lstStyle/>
           <a:p>
             <a:r>
-              <a:rPr lang="en-US" dirty="0"/>
+              <a:rPr lang="en-US" sz="2000" dirty="0"/>
               <a:t>We implemented 4 techniques that were mentioned in the winners’ solution</a:t>
             </a:r>
           </a:p>
+        </p:txBody>
+      </p:sp>
+      <p:sp>
+        <p:nvSpPr>
+          <p:cNvPr id="4" name="Content Placeholder 2">
+            <a:extLst>
+              <a:ext uri="{FF2B5EF4-FFF2-40B4-BE49-F238E27FC236}">
+                <a16:creationId xmlns:a16="http://schemas.microsoft.com/office/drawing/2014/main" id="{322906CA-9783-8F03-DAD7-1584759F6988}"/>
+              </a:ext>
+            </a:extLst>
+          </p:cNvPr>
+          <p:cNvSpPr txBox="1">
+            <a:spLocks/>
+          </p:cNvSpPr>
+          <p:nvPr/>
+        </p:nvSpPr>
+        <p:spPr>
+          <a:xfrm>
+            <a:off x="870571" y="1861460"/>
+            <a:ext cx="5225424" cy="4632218"/>
+          </a:xfrm>
+          <a:prstGeom prst="rect">
+            <a:avLst/>
+          </a:prstGeom>
+        </p:spPr>
+        <p:txBody>
+          <a:bodyPr vert="horz" lIns="91440" tIns="45720" rIns="91440" bIns="45720" rtlCol="0">
+            <a:normAutofit/>
+          </a:bodyPr>
+          <a:lstStyle>
+            <a:lvl1pPr marL="228600" indent="-228600" algn="l" defTabSz="914400" rtl="0" eaLnBrk="1" latinLnBrk="0" hangingPunct="1">
+              <a:lnSpc>
+                <a:spcPct val="120000"/>
+              </a:lnSpc>
+              <a:spcBef>
+                <a:spcPts val="1000"/>
+              </a:spcBef>
+              <a:buFont typeface="Arial" panose="020B0604020202020204" pitchFamily="34" charset="0"/>
+              <a:buChar char="•"/>
+              <a:defRPr sz="1800" kern="1200">
+                <a:solidFill>
+                  <a:schemeClr val="tx1"/>
+                </a:solidFill>
+                <a:latin typeface="+mn-lt"/>
+                <a:ea typeface="+mn-ea"/>
+                <a:cs typeface="+mn-cs"/>
+              </a:defRPr>
+            </a:lvl1pPr>
+            <a:lvl2pPr marL="274320" indent="0" algn="l" defTabSz="914400" rtl="0" eaLnBrk="1" latinLnBrk="0" hangingPunct="1">
+              <a:lnSpc>
+                <a:spcPct val="120000"/>
+              </a:lnSpc>
+              <a:spcBef>
+                <a:spcPts val="500"/>
+              </a:spcBef>
+              <a:buFontTx/>
+              <a:buNone/>
+              <a:defRPr sz="1600" b="1" kern="1200">
+                <a:solidFill>
+                  <a:schemeClr val="tx1"/>
+                </a:solidFill>
+                <a:latin typeface="+mn-lt"/>
+                <a:ea typeface="+mn-ea"/>
+                <a:cs typeface="+mn-cs"/>
+              </a:defRPr>
+            </a:lvl2pPr>
+            <a:lvl3pPr marL="548640" indent="-228600" algn="l" defTabSz="914400" rtl="0" eaLnBrk="1" latinLnBrk="0" hangingPunct="1">
+              <a:lnSpc>
+                <a:spcPct val="120000"/>
+              </a:lnSpc>
+              <a:spcBef>
+                <a:spcPts val="500"/>
+              </a:spcBef>
+              <a:buFont typeface="Arial" panose="020B0604020202020204" pitchFamily="34" charset="0"/>
+              <a:buChar char="•"/>
+              <a:defRPr sz="1400" kern="1200">
+                <a:solidFill>
+                  <a:schemeClr val="tx1"/>
+                </a:solidFill>
+                <a:latin typeface="+mn-lt"/>
+                <a:ea typeface="+mn-ea"/>
+                <a:cs typeface="+mn-cs"/>
+              </a:defRPr>
+            </a:lvl3pPr>
+            <a:lvl4pPr marL="594360" indent="0" algn="l" defTabSz="914400" rtl="0" eaLnBrk="1" latinLnBrk="0" hangingPunct="1">
+              <a:lnSpc>
+                <a:spcPct val="120000"/>
+              </a:lnSpc>
+              <a:spcBef>
+                <a:spcPts val="500"/>
+              </a:spcBef>
+              <a:buFontTx/>
+              <a:buNone/>
+              <a:defRPr sz="1200" b="1" kern="1200">
+                <a:solidFill>
+                  <a:schemeClr val="tx1"/>
+                </a:solidFill>
+                <a:latin typeface="+mn-lt"/>
+                <a:ea typeface="+mn-ea"/>
+                <a:cs typeface="+mn-cs"/>
+              </a:defRPr>
+            </a:lvl4pPr>
+            <a:lvl5pPr marL="822960" indent="-228600" algn="l" defTabSz="914400" rtl="0" eaLnBrk="1" latinLnBrk="0" hangingPunct="1">
+              <a:lnSpc>
+                <a:spcPct val="120000"/>
+              </a:lnSpc>
+              <a:spcBef>
+                <a:spcPts val="500"/>
+              </a:spcBef>
+              <a:buFont typeface="Arial" panose="020B0604020202020204" pitchFamily="34" charset="0"/>
+              <a:buChar char="•"/>
+              <a:defRPr sz="1200" kern="1200">
+                <a:solidFill>
+                  <a:schemeClr val="tx1"/>
+                </a:solidFill>
+                <a:latin typeface="+mn-lt"/>
+                <a:ea typeface="+mn-ea"/>
+                <a:cs typeface="+mn-cs"/>
+              </a:defRPr>
+            </a:lvl5pPr>
+            <a:lvl6pPr marL="2514600" indent="-228600" algn="l" defTabSz="914400" rtl="0" eaLnBrk="1" latinLnBrk="0" hangingPunct="1">
+              <a:lnSpc>
+                <a:spcPct val="90000"/>
+              </a:lnSpc>
+              <a:spcBef>
+                <a:spcPts val="500"/>
+              </a:spcBef>
+              <a:buFont typeface="Arial" panose="020B0604020202020204" pitchFamily="34" charset="0"/>
+              <a:buChar char="•"/>
+              <a:defRPr sz="1800" kern="1200">
+                <a:solidFill>
+                  <a:schemeClr val="tx1"/>
+                </a:solidFill>
+                <a:latin typeface="+mn-lt"/>
+                <a:ea typeface="+mn-ea"/>
+                <a:cs typeface="+mn-cs"/>
+              </a:defRPr>
+            </a:lvl6pPr>
+            <a:lvl7pPr marL="2971800" indent="-228600" algn="l" defTabSz="914400" rtl="0" eaLnBrk="1" latinLnBrk="0" hangingPunct="1">
+              <a:lnSpc>
+                <a:spcPct val="90000"/>
+              </a:lnSpc>
+              <a:spcBef>
+                <a:spcPts val="500"/>
+              </a:spcBef>
+              <a:buFont typeface="Arial" panose="020B0604020202020204" pitchFamily="34" charset="0"/>
+              <a:buChar char="•"/>
+              <a:defRPr sz="1800" kern="1200">
+                <a:solidFill>
+                  <a:schemeClr val="tx1"/>
+                </a:solidFill>
+                <a:latin typeface="+mn-lt"/>
+                <a:ea typeface="+mn-ea"/>
+                <a:cs typeface="+mn-cs"/>
+              </a:defRPr>
+            </a:lvl7pPr>
+            <a:lvl8pPr marL="3429000" indent="-228600" algn="l" defTabSz="914400" rtl="0" eaLnBrk="1" latinLnBrk="0" hangingPunct="1">
+              <a:lnSpc>
+                <a:spcPct val="90000"/>
+              </a:lnSpc>
+              <a:spcBef>
+                <a:spcPts val="500"/>
+              </a:spcBef>
+              <a:buFont typeface="Arial" panose="020B0604020202020204" pitchFamily="34" charset="0"/>
+              <a:buChar char="•"/>
+              <a:defRPr sz="1800" kern="1200">
+                <a:solidFill>
+                  <a:schemeClr val="tx1"/>
+                </a:solidFill>
+                <a:latin typeface="+mn-lt"/>
+                <a:ea typeface="+mn-ea"/>
+                <a:cs typeface="+mn-cs"/>
+              </a:defRPr>
+            </a:lvl8pPr>
+            <a:lvl9pPr marL="3886200" indent="-228600" algn="l" defTabSz="914400" rtl="0" eaLnBrk="1" latinLnBrk="0" hangingPunct="1">
+              <a:lnSpc>
+                <a:spcPct val="90000"/>
+              </a:lnSpc>
+              <a:spcBef>
+                <a:spcPts val="500"/>
+              </a:spcBef>
+              <a:buFont typeface="Arial" panose="020B0604020202020204" pitchFamily="34" charset="0"/>
+              <a:buChar char="•"/>
+              <a:defRPr sz="1800" kern="1200">
+                <a:solidFill>
+                  <a:schemeClr val="tx1"/>
+                </a:solidFill>
+                <a:latin typeface="+mn-lt"/>
+                <a:ea typeface="+mn-ea"/>
+                <a:cs typeface="+mn-cs"/>
+              </a:defRPr>
+            </a:lvl9pPr>
+          </a:lstStyle>
+          <a:p>
+            <a:r>
+              <a:rPr lang="en-US" sz="1700" dirty="0" err="1"/>
+              <a:t>Spliting</a:t>
+            </a:r>
+            <a:r>
+              <a:rPr lang="en-US" sz="1700" dirty="0"/>
+              <a:t> the model by </a:t>
+            </a:r>
+            <a:r>
+              <a:rPr lang="en-US" sz="1700" dirty="0" err="1"/>
+              <a:t>product_type’s</a:t>
+            </a:r>
+            <a:r>
+              <a:rPr lang="en-US" sz="1700" dirty="0"/>
+              <a:t> feature value: we did not think of this technique but in hindsight it makes sense perfectly, the housing market for Investment apartments and for Renting apartments are similar in part, but they have many differences too that our original model might </a:t>
+            </a:r>
+            <a:r>
+              <a:rPr lang="de-DE" sz="1700" dirty="0"/>
+              <a:t>capture as noise.</a:t>
+            </a:r>
+            <a:endParaRPr lang="en-US" sz="1700" dirty="0"/>
+          </a:p>
           <a:p>
             <a:pPr lvl="2"/>
-            <a:r>
-              <a:rPr lang="en-US" dirty="0" err="1"/>
-              <a:t>product_type</a:t>
-            </a:r>
-            <a:r>
-              <a:rPr lang="en-US" dirty="0"/>
-              <a:t> feature model-split: we did not think of this technique but in hindsight it makes sense perfectly, the housing market for Investment apartments and for Renting apartments are similar in part, but they have many differences too, and many features included in 1 model could be overshadowed by others even though they have great importance to one type of apartment and low importance to the other, this way, miss-representing one of these types in the model and creating greater and greater errors to that type.</a:t>
-            </a:r>
-          </a:p>
-          <a:p>
-            <a:pPr lvl="2"/>
-            <a:r>
-              <a:rPr lang="en-US" dirty="0"/>
-              <a:t>The different data cleaning for each model had done great improvement as well, making it easier for the models to focus on their relevant available features rather than all of the features relevant to the both of them.</a:t>
-            </a:r>
-          </a:p>
-          <a:p>
-            <a:pPr lvl="2"/>
-            <a:r>
-              <a:rPr lang="en-US" dirty="0"/>
+            <a:endParaRPr lang="en-US" sz="1700" dirty="0"/>
+          </a:p>
+          <a:p>
+            <a:r>
+              <a:rPr lang="en-US" sz="1700" dirty="0"/>
+              <a:t>The last technique is one we did not had enough time to apply and it is using magic numbers.</a:t>
+            </a:r>
+          </a:p>
+        </p:txBody>
+      </p:sp>
+      <p:sp>
+        <p:nvSpPr>
+          <p:cNvPr id="6" name="Content Placeholder 2">
+            <a:extLst>
+              <a:ext uri="{FF2B5EF4-FFF2-40B4-BE49-F238E27FC236}">
+                <a16:creationId xmlns:a16="http://schemas.microsoft.com/office/drawing/2014/main" id="{E95FB9FD-5574-7B85-1C91-3126B5DE0CE5}"/>
+              </a:ext>
+            </a:extLst>
+          </p:cNvPr>
+          <p:cNvSpPr txBox="1">
+            <a:spLocks/>
+          </p:cNvSpPr>
+          <p:nvPr/>
+        </p:nvSpPr>
+        <p:spPr>
+          <a:xfrm>
+            <a:off x="6019798" y="1861460"/>
+            <a:ext cx="5225424" cy="4632218"/>
+          </a:xfrm>
+          <a:prstGeom prst="rect">
+            <a:avLst/>
+          </a:prstGeom>
+        </p:spPr>
+        <p:txBody>
+          <a:bodyPr vert="horz" lIns="91440" tIns="45720" rIns="91440" bIns="45720" rtlCol="0">
+            <a:noAutofit/>
+          </a:bodyPr>
+          <a:lstStyle>
+            <a:lvl1pPr marL="228600" indent="-228600" algn="l" defTabSz="914400" rtl="0" eaLnBrk="1" latinLnBrk="0" hangingPunct="1">
+              <a:lnSpc>
+                <a:spcPct val="120000"/>
+              </a:lnSpc>
+              <a:spcBef>
+                <a:spcPts val="1000"/>
+              </a:spcBef>
+              <a:buFont typeface="Arial" panose="020B0604020202020204" pitchFamily="34" charset="0"/>
+              <a:buChar char="•"/>
+              <a:defRPr sz="1800" kern="1200">
+                <a:solidFill>
+                  <a:schemeClr val="tx1"/>
+                </a:solidFill>
+                <a:latin typeface="+mn-lt"/>
+                <a:ea typeface="+mn-ea"/>
+                <a:cs typeface="+mn-cs"/>
+              </a:defRPr>
+            </a:lvl1pPr>
+            <a:lvl2pPr marL="274320" indent="0" algn="l" defTabSz="914400" rtl="0" eaLnBrk="1" latinLnBrk="0" hangingPunct="1">
+              <a:lnSpc>
+                <a:spcPct val="120000"/>
+              </a:lnSpc>
+              <a:spcBef>
+                <a:spcPts val="500"/>
+              </a:spcBef>
+              <a:buFontTx/>
+              <a:buNone/>
+              <a:defRPr sz="1600" b="1" kern="1200">
+                <a:solidFill>
+                  <a:schemeClr val="tx1"/>
+                </a:solidFill>
+                <a:latin typeface="+mn-lt"/>
+                <a:ea typeface="+mn-ea"/>
+                <a:cs typeface="+mn-cs"/>
+              </a:defRPr>
+            </a:lvl2pPr>
+            <a:lvl3pPr marL="548640" indent="-228600" algn="l" defTabSz="914400" rtl="0" eaLnBrk="1" latinLnBrk="0" hangingPunct="1">
+              <a:lnSpc>
+                <a:spcPct val="120000"/>
+              </a:lnSpc>
+              <a:spcBef>
+                <a:spcPts val="500"/>
+              </a:spcBef>
+              <a:buFont typeface="Arial" panose="020B0604020202020204" pitchFamily="34" charset="0"/>
+              <a:buChar char="•"/>
+              <a:defRPr sz="1400" kern="1200">
+                <a:solidFill>
+                  <a:schemeClr val="tx1"/>
+                </a:solidFill>
+                <a:latin typeface="+mn-lt"/>
+                <a:ea typeface="+mn-ea"/>
+                <a:cs typeface="+mn-cs"/>
+              </a:defRPr>
+            </a:lvl3pPr>
+            <a:lvl4pPr marL="594360" indent="0" algn="l" defTabSz="914400" rtl="0" eaLnBrk="1" latinLnBrk="0" hangingPunct="1">
+              <a:lnSpc>
+                <a:spcPct val="120000"/>
+              </a:lnSpc>
+              <a:spcBef>
+                <a:spcPts val="500"/>
+              </a:spcBef>
+              <a:buFontTx/>
+              <a:buNone/>
+              <a:defRPr sz="1200" b="1" kern="1200">
+                <a:solidFill>
+                  <a:schemeClr val="tx1"/>
+                </a:solidFill>
+                <a:latin typeface="+mn-lt"/>
+                <a:ea typeface="+mn-ea"/>
+                <a:cs typeface="+mn-cs"/>
+              </a:defRPr>
+            </a:lvl4pPr>
+            <a:lvl5pPr marL="822960" indent="-228600" algn="l" defTabSz="914400" rtl="0" eaLnBrk="1" latinLnBrk="0" hangingPunct="1">
+              <a:lnSpc>
+                <a:spcPct val="120000"/>
+              </a:lnSpc>
+              <a:spcBef>
+                <a:spcPts val="500"/>
+              </a:spcBef>
+              <a:buFont typeface="Arial" panose="020B0604020202020204" pitchFamily="34" charset="0"/>
+              <a:buChar char="•"/>
+              <a:defRPr sz="1200" kern="1200">
+                <a:solidFill>
+                  <a:schemeClr val="tx1"/>
+                </a:solidFill>
+                <a:latin typeface="+mn-lt"/>
+                <a:ea typeface="+mn-ea"/>
+                <a:cs typeface="+mn-cs"/>
+              </a:defRPr>
+            </a:lvl5pPr>
+            <a:lvl6pPr marL="2514600" indent="-228600" algn="l" defTabSz="914400" rtl="0" eaLnBrk="1" latinLnBrk="0" hangingPunct="1">
+              <a:lnSpc>
+                <a:spcPct val="90000"/>
+              </a:lnSpc>
+              <a:spcBef>
+                <a:spcPts val="500"/>
+              </a:spcBef>
+              <a:buFont typeface="Arial" panose="020B0604020202020204" pitchFamily="34" charset="0"/>
+              <a:buChar char="•"/>
+              <a:defRPr sz="1800" kern="1200">
+                <a:solidFill>
+                  <a:schemeClr val="tx1"/>
+                </a:solidFill>
+                <a:latin typeface="+mn-lt"/>
+                <a:ea typeface="+mn-ea"/>
+                <a:cs typeface="+mn-cs"/>
+              </a:defRPr>
+            </a:lvl6pPr>
+            <a:lvl7pPr marL="2971800" indent="-228600" algn="l" defTabSz="914400" rtl="0" eaLnBrk="1" latinLnBrk="0" hangingPunct="1">
+              <a:lnSpc>
+                <a:spcPct val="90000"/>
+              </a:lnSpc>
+              <a:spcBef>
+                <a:spcPts val="500"/>
+              </a:spcBef>
+              <a:buFont typeface="Arial" panose="020B0604020202020204" pitchFamily="34" charset="0"/>
+              <a:buChar char="•"/>
+              <a:defRPr sz="1800" kern="1200">
+                <a:solidFill>
+                  <a:schemeClr val="tx1"/>
+                </a:solidFill>
+                <a:latin typeface="+mn-lt"/>
+                <a:ea typeface="+mn-ea"/>
+                <a:cs typeface="+mn-cs"/>
+              </a:defRPr>
+            </a:lvl7pPr>
+            <a:lvl8pPr marL="3429000" indent="-228600" algn="l" defTabSz="914400" rtl="0" eaLnBrk="1" latinLnBrk="0" hangingPunct="1">
+              <a:lnSpc>
+                <a:spcPct val="90000"/>
+              </a:lnSpc>
+              <a:spcBef>
+                <a:spcPts val="500"/>
+              </a:spcBef>
+              <a:buFont typeface="Arial" panose="020B0604020202020204" pitchFamily="34" charset="0"/>
+              <a:buChar char="•"/>
+              <a:defRPr sz="1800" kern="1200">
+                <a:solidFill>
+                  <a:schemeClr val="tx1"/>
+                </a:solidFill>
+                <a:latin typeface="+mn-lt"/>
+                <a:ea typeface="+mn-ea"/>
+                <a:cs typeface="+mn-cs"/>
+              </a:defRPr>
+            </a:lvl8pPr>
+            <a:lvl9pPr marL="3886200" indent="-228600" algn="l" defTabSz="914400" rtl="0" eaLnBrk="1" latinLnBrk="0" hangingPunct="1">
+              <a:lnSpc>
+                <a:spcPct val="90000"/>
+              </a:lnSpc>
+              <a:spcBef>
+                <a:spcPts val="500"/>
+              </a:spcBef>
+              <a:buFont typeface="Arial" panose="020B0604020202020204" pitchFamily="34" charset="0"/>
+              <a:buChar char="•"/>
+              <a:defRPr sz="1800" kern="1200">
+                <a:solidFill>
+                  <a:schemeClr val="tx1"/>
+                </a:solidFill>
+                <a:latin typeface="+mn-lt"/>
+                <a:ea typeface="+mn-ea"/>
+                <a:cs typeface="+mn-cs"/>
+              </a:defRPr>
+            </a:lvl9pPr>
+          </a:lstStyle>
+          <a:p>
+            <a:r>
+              <a:rPr lang="en-US" sz="1700" dirty="0"/>
+              <a:t>Separate data cleaning for the models: as a continuation to the previous technique they also perform the data cleaning for each model individually.</a:t>
+            </a:r>
+          </a:p>
+          <a:p>
+            <a:pPr marL="320040" lvl="2" indent="0">
+              <a:buFont typeface="Arial" panose="020B0604020202020204" pitchFamily="34" charset="0"/>
+              <a:buNone/>
+            </a:pPr>
+            <a:endParaRPr lang="en-US" sz="1700" dirty="0"/>
+          </a:p>
+          <a:p>
+            <a:r>
+              <a:rPr lang="en-US" sz="1700" dirty="0"/>
               <a:t>Splitting </a:t>
             </a:r>
             <a:r>
-              <a:rPr lang="en-US" dirty="0" err="1"/>
+              <a:rPr lang="en-US" sz="1700" dirty="0" err="1"/>
               <a:t>full_sq</a:t>
             </a:r>
             <a:r>
-              <a:rPr lang="en-US" dirty="0"/>
-              <a:t> to different values in accordance with the different categorical values of different features, this was not done completely the same as described in the winners’ solution, we’ve done so in accordance with time as well as the different categorical values, for each month and year and category in some feature we made a value correspondent to that, and that also to multiple different categorical features.</a:t>
-            </a:r>
-          </a:p>
-          <a:p>
-            <a:pPr lvl="2"/>
-            <a:r>
-              <a:rPr lang="en-US" dirty="0"/>
-              <a:t>The last technique is one we did not fully understand but see the affect of it on the results and that is the use </a:t>
-            </a:r>
-            <a:r>
-              <a:rPr lang="en-US"/>
-              <a:t>of magic numbers.</a:t>
-            </a:r>
-            <a:endParaRPr lang="en-US" dirty="0"/>
+              <a:rPr lang="en-US" sz="1700" dirty="0"/>
+              <a:t> to different values in accordance with the different categorical values of different features- this was not done completely the same as described in the winners’ solution, we’ve done so in accordance with time as well as the different categorical values, for each month and year and category in some feature we made a value correspondent to that, and that also to multiple different categorical features.</a:t>
+            </a:r>
           </a:p>
         </p:txBody>
       </p:sp>
